--- a/HavingYourCoffee/Having_Your_Coffee.pptx
+++ b/HavingYourCoffee/Having_Your_Coffee.pptx
@@ -4,12 +4,21 @@
   <p:sldMasterIdLst>
     <p:sldMasterId id="2147483648" r:id="rId1"/>
   </p:sldMasterIdLst>
+  <p:notesMasterIdLst>
+    <p:notesMasterId r:id="rId13"/>
+  </p:notesMasterIdLst>
   <p:sldIdLst>
     <p:sldId id="256" r:id="rId2"/>
     <p:sldId id="257" r:id="rId3"/>
-    <p:sldId id="258" r:id="rId4"/>
-    <p:sldId id="259" r:id="rId5"/>
-    <p:sldId id="260" r:id="rId6"/>
+    <p:sldId id="261" r:id="rId4"/>
+    <p:sldId id="262" r:id="rId5"/>
+    <p:sldId id="263" r:id="rId6"/>
+    <p:sldId id="264" r:id="rId7"/>
+    <p:sldId id="265" r:id="rId8"/>
+    <p:sldId id="266" r:id="rId9"/>
+    <p:sldId id="258" r:id="rId10"/>
+    <p:sldId id="259" r:id="rId11"/>
+    <p:sldId id="260" r:id="rId12"/>
   </p:sldIdLst>
   <p:sldSz cx="9144000" cy="6858000" type="screen4x3"/>
   <p:notesSz cx="6858000" cy="9144000"/>
@@ -108,7 +117,656 @@
       </a:defRPr>
     </a:lvl9pPr>
   </p:defaultTextStyle>
+  <p:extLst>
+    <p:ext uri="{EFAFB233-063F-42B5-8137-9DF3F51BA10A}">
+      <p15:sldGuideLst xmlns:p15="http://schemas.microsoft.com/office/powerpoint/2012/main">
+        <p15:guide id="1" orient="horz" pos="2160">
+          <p15:clr>
+            <a:srgbClr val="A4A3A4"/>
+          </p15:clr>
+        </p15:guide>
+        <p15:guide id="2" pos="2880">
+          <p15:clr>
+            <a:srgbClr val="A4A3A4"/>
+          </p15:clr>
+        </p15:guide>
+      </p15:sldGuideLst>
+    </p:ext>
+  </p:extLst>
 </p:presentation>
+</file>
+
+<file path=ppt/notesMasters/notesMaster1.xml><?xml version="1.0" encoding="utf-8"?>
+<p:notesMaster xmlns:a="http://schemas.openxmlformats.org/drawingml/2006/main" xmlns:r="http://schemas.openxmlformats.org/officeDocument/2006/relationships" xmlns:p="http://schemas.openxmlformats.org/presentationml/2006/main">
+  <p:cSld>
+    <p:bg>
+      <p:bgRef idx="1001">
+        <a:schemeClr val="bg1"/>
+      </p:bgRef>
+    </p:bg>
+    <p:spTree>
+      <p:nvGrpSpPr>
+        <p:cNvPr id="1" name=""/>
+        <p:cNvGrpSpPr/>
+        <p:nvPr/>
+      </p:nvGrpSpPr>
+      <p:grpSpPr>
+        <a:xfrm>
+          <a:off x="0" y="0"/>
+          <a:ext cx="0" cy="0"/>
+          <a:chOff x="0" y="0"/>
+          <a:chExt cx="0" cy="0"/>
+        </a:xfrm>
+      </p:grpSpPr>
+      <p:sp>
+        <p:nvSpPr>
+          <p:cNvPr id="2" name="Header Placeholder 1"/>
+          <p:cNvSpPr>
+            <a:spLocks noGrp="1"/>
+          </p:cNvSpPr>
+          <p:nvPr>
+            <p:ph type="hdr" sz="quarter"/>
+          </p:nvPr>
+        </p:nvSpPr>
+        <p:spPr>
+          <a:xfrm>
+            <a:off x="0" y="0"/>
+            <a:ext cx="2971800" cy="458788"/>
+          </a:xfrm>
+          <a:prstGeom prst="rect">
+            <a:avLst/>
+          </a:prstGeom>
+        </p:spPr>
+        <p:txBody>
+          <a:bodyPr vert="horz" lIns="91440" tIns="45720" rIns="91440" bIns="45720" rtlCol="0"/>
+          <a:lstStyle>
+            <a:lvl1pPr algn="l">
+              <a:defRPr sz="1200"/>
+            </a:lvl1pPr>
+          </a:lstStyle>
+          <a:p>
+            <a:endParaRPr lang="en-US"/>
+          </a:p>
+        </p:txBody>
+      </p:sp>
+      <p:sp>
+        <p:nvSpPr>
+          <p:cNvPr id="3" name="Date Placeholder 2"/>
+          <p:cNvSpPr>
+            <a:spLocks noGrp="1"/>
+          </p:cNvSpPr>
+          <p:nvPr>
+            <p:ph type="dt" idx="1"/>
+          </p:nvPr>
+        </p:nvSpPr>
+        <p:spPr>
+          <a:xfrm>
+            <a:off x="3884613" y="0"/>
+            <a:ext cx="2971800" cy="458788"/>
+          </a:xfrm>
+          <a:prstGeom prst="rect">
+            <a:avLst/>
+          </a:prstGeom>
+        </p:spPr>
+        <p:txBody>
+          <a:bodyPr vert="horz" lIns="91440" tIns="45720" rIns="91440" bIns="45720" rtlCol="0"/>
+          <a:lstStyle>
+            <a:lvl1pPr algn="r">
+              <a:defRPr sz="1200"/>
+            </a:lvl1pPr>
+          </a:lstStyle>
+          <a:p>
+            <a:fld id="{96511FE2-A61B-45CC-B210-C390F4E9F222}" type="datetimeFigureOut">
+              <a:rPr lang="en-US" smtClean="0"/>
+              <a:t>6/1/2013</a:t>
+            </a:fld>
+            <a:endParaRPr lang="en-US"/>
+          </a:p>
+        </p:txBody>
+      </p:sp>
+      <p:sp>
+        <p:nvSpPr>
+          <p:cNvPr id="4" name="Slide Image Placeholder 3"/>
+          <p:cNvSpPr>
+            <a:spLocks noGrp="1" noRot="1" noChangeAspect="1"/>
+          </p:cNvSpPr>
+          <p:nvPr>
+            <p:ph type="sldImg" idx="2"/>
+          </p:nvPr>
+        </p:nvSpPr>
+        <p:spPr>
+          <a:xfrm>
+            <a:off x="1371600" y="1143000"/>
+            <a:ext cx="4114800" cy="3086100"/>
+          </a:xfrm>
+          <a:prstGeom prst="rect">
+            <a:avLst/>
+          </a:prstGeom>
+          <a:noFill/>
+          <a:ln w="12700">
+            <a:solidFill>
+              <a:prstClr val="black"/>
+            </a:solidFill>
+          </a:ln>
+        </p:spPr>
+        <p:txBody>
+          <a:bodyPr vert="horz" lIns="91440" tIns="45720" rIns="91440" bIns="45720" rtlCol="0" anchor="ctr"/>
+          <a:lstStyle/>
+          <a:p>
+            <a:endParaRPr lang="en-US"/>
+          </a:p>
+        </p:txBody>
+      </p:sp>
+      <p:sp>
+        <p:nvSpPr>
+          <p:cNvPr id="5" name="Notes Placeholder 4"/>
+          <p:cNvSpPr>
+            <a:spLocks noGrp="1"/>
+          </p:cNvSpPr>
+          <p:nvPr>
+            <p:ph type="body" sz="quarter" idx="3"/>
+          </p:nvPr>
+        </p:nvSpPr>
+        <p:spPr>
+          <a:xfrm>
+            <a:off x="685800" y="4400550"/>
+            <a:ext cx="5486400" cy="3600450"/>
+          </a:xfrm>
+          <a:prstGeom prst="rect">
+            <a:avLst/>
+          </a:prstGeom>
+        </p:spPr>
+        <p:txBody>
+          <a:bodyPr vert="horz" lIns="91440" tIns="45720" rIns="91440" bIns="45720" rtlCol="0"/>
+          <a:lstStyle/>
+          <a:p>
+            <a:pPr lvl="0"/>
+            <a:r>
+              <a:rPr lang="en-US" smtClean="0"/>
+              <a:t>Click to edit Master text styles</a:t>
+            </a:r>
+          </a:p>
+          <a:p>
+            <a:pPr lvl="1"/>
+            <a:r>
+              <a:rPr lang="en-US" smtClean="0"/>
+              <a:t>Second level</a:t>
+            </a:r>
+          </a:p>
+          <a:p>
+            <a:pPr lvl="2"/>
+            <a:r>
+              <a:rPr lang="en-US" smtClean="0"/>
+              <a:t>Third level</a:t>
+            </a:r>
+          </a:p>
+          <a:p>
+            <a:pPr lvl="3"/>
+            <a:r>
+              <a:rPr lang="en-US" smtClean="0"/>
+              <a:t>Fourth level</a:t>
+            </a:r>
+          </a:p>
+          <a:p>
+            <a:pPr lvl="4"/>
+            <a:r>
+              <a:rPr lang="en-US" smtClean="0"/>
+              <a:t>Fifth level</a:t>
+            </a:r>
+            <a:endParaRPr lang="en-US"/>
+          </a:p>
+        </p:txBody>
+      </p:sp>
+      <p:sp>
+        <p:nvSpPr>
+          <p:cNvPr id="6" name="Footer Placeholder 5"/>
+          <p:cNvSpPr>
+            <a:spLocks noGrp="1"/>
+          </p:cNvSpPr>
+          <p:nvPr>
+            <p:ph type="ftr" sz="quarter" idx="4"/>
+          </p:nvPr>
+        </p:nvSpPr>
+        <p:spPr>
+          <a:xfrm>
+            <a:off x="0" y="8685213"/>
+            <a:ext cx="2971800" cy="458787"/>
+          </a:xfrm>
+          <a:prstGeom prst="rect">
+            <a:avLst/>
+          </a:prstGeom>
+        </p:spPr>
+        <p:txBody>
+          <a:bodyPr vert="horz" lIns="91440" tIns="45720" rIns="91440" bIns="45720" rtlCol="0" anchor="b"/>
+          <a:lstStyle>
+            <a:lvl1pPr algn="l">
+              <a:defRPr sz="1200"/>
+            </a:lvl1pPr>
+          </a:lstStyle>
+          <a:p>
+            <a:endParaRPr lang="en-US"/>
+          </a:p>
+        </p:txBody>
+      </p:sp>
+      <p:sp>
+        <p:nvSpPr>
+          <p:cNvPr id="7" name="Slide Number Placeholder 6"/>
+          <p:cNvSpPr>
+            <a:spLocks noGrp="1"/>
+          </p:cNvSpPr>
+          <p:nvPr>
+            <p:ph type="sldNum" sz="quarter" idx="5"/>
+          </p:nvPr>
+        </p:nvSpPr>
+        <p:spPr>
+          <a:xfrm>
+            <a:off x="3884613" y="8685213"/>
+            <a:ext cx="2971800" cy="458787"/>
+          </a:xfrm>
+          <a:prstGeom prst="rect">
+            <a:avLst/>
+          </a:prstGeom>
+        </p:spPr>
+        <p:txBody>
+          <a:bodyPr vert="horz" lIns="91440" tIns="45720" rIns="91440" bIns="45720" rtlCol="0" anchor="b"/>
+          <a:lstStyle>
+            <a:lvl1pPr algn="r">
+              <a:defRPr sz="1200"/>
+            </a:lvl1pPr>
+          </a:lstStyle>
+          <a:p>
+            <a:fld id="{32B1E7F8-77C5-4D32-B0D8-AF9F13EB2910}" type="slidenum">
+              <a:rPr lang="en-US" smtClean="0"/>
+              <a:t>‹#›</a:t>
+            </a:fld>
+            <a:endParaRPr lang="en-US"/>
+          </a:p>
+        </p:txBody>
+      </p:sp>
+    </p:spTree>
+    <p:extLst>
+      <p:ext uri="{BB962C8B-B14F-4D97-AF65-F5344CB8AC3E}">
+        <p14:creationId xmlns:p14="http://schemas.microsoft.com/office/powerpoint/2010/main" val="3028988852"/>
+      </p:ext>
+    </p:extLst>
+  </p:cSld>
+  <p:clrMap bg1="lt1" tx1="dk1" bg2="lt2" tx2="dk2" accent1="accent1" accent2="accent2" accent3="accent3" accent4="accent4" accent5="accent5" accent6="accent6" hlink="hlink" folHlink="folHlink"/>
+  <p:notesStyle>
+    <a:lvl1pPr marL="0" algn="l" defTabSz="914400" rtl="0" eaLnBrk="1" latinLnBrk="0" hangingPunct="1">
+      <a:defRPr sz="1200" kern="1200">
+        <a:solidFill>
+          <a:schemeClr val="tx1"/>
+        </a:solidFill>
+        <a:latin typeface="+mn-lt"/>
+        <a:ea typeface="+mn-ea"/>
+        <a:cs typeface="+mn-cs"/>
+      </a:defRPr>
+    </a:lvl1pPr>
+    <a:lvl2pPr marL="457200" algn="l" defTabSz="914400" rtl="0" eaLnBrk="1" latinLnBrk="0" hangingPunct="1">
+      <a:defRPr sz="1200" kern="1200">
+        <a:solidFill>
+          <a:schemeClr val="tx1"/>
+        </a:solidFill>
+        <a:latin typeface="+mn-lt"/>
+        <a:ea typeface="+mn-ea"/>
+        <a:cs typeface="+mn-cs"/>
+      </a:defRPr>
+    </a:lvl2pPr>
+    <a:lvl3pPr marL="914400" algn="l" defTabSz="914400" rtl="0" eaLnBrk="1" latinLnBrk="0" hangingPunct="1">
+      <a:defRPr sz="1200" kern="1200">
+        <a:solidFill>
+          <a:schemeClr val="tx1"/>
+        </a:solidFill>
+        <a:latin typeface="+mn-lt"/>
+        <a:ea typeface="+mn-ea"/>
+        <a:cs typeface="+mn-cs"/>
+      </a:defRPr>
+    </a:lvl3pPr>
+    <a:lvl4pPr marL="1371600" algn="l" defTabSz="914400" rtl="0" eaLnBrk="1" latinLnBrk="0" hangingPunct="1">
+      <a:defRPr sz="1200" kern="1200">
+        <a:solidFill>
+          <a:schemeClr val="tx1"/>
+        </a:solidFill>
+        <a:latin typeface="+mn-lt"/>
+        <a:ea typeface="+mn-ea"/>
+        <a:cs typeface="+mn-cs"/>
+      </a:defRPr>
+    </a:lvl4pPr>
+    <a:lvl5pPr marL="1828800" algn="l" defTabSz="914400" rtl="0" eaLnBrk="1" latinLnBrk="0" hangingPunct="1">
+      <a:defRPr sz="1200" kern="1200">
+        <a:solidFill>
+          <a:schemeClr val="tx1"/>
+        </a:solidFill>
+        <a:latin typeface="+mn-lt"/>
+        <a:ea typeface="+mn-ea"/>
+        <a:cs typeface="+mn-cs"/>
+      </a:defRPr>
+    </a:lvl5pPr>
+    <a:lvl6pPr marL="2286000" algn="l" defTabSz="914400" rtl="0" eaLnBrk="1" latinLnBrk="0" hangingPunct="1">
+      <a:defRPr sz="1200" kern="1200">
+        <a:solidFill>
+          <a:schemeClr val="tx1"/>
+        </a:solidFill>
+        <a:latin typeface="+mn-lt"/>
+        <a:ea typeface="+mn-ea"/>
+        <a:cs typeface="+mn-cs"/>
+      </a:defRPr>
+    </a:lvl6pPr>
+    <a:lvl7pPr marL="2743200" algn="l" defTabSz="914400" rtl="0" eaLnBrk="1" latinLnBrk="0" hangingPunct="1">
+      <a:defRPr sz="1200" kern="1200">
+        <a:solidFill>
+          <a:schemeClr val="tx1"/>
+        </a:solidFill>
+        <a:latin typeface="+mn-lt"/>
+        <a:ea typeface="+mn-ea"/>
+        <a:cs typeface="+mn-cs"/>
+      </a:defRPr>
+    </a:lvl7pPr>
+    <a:lvl8pPr marL="3200400" algn="l" defTabSz="914400" rtl="0" eaLnBrk="1" latinLnBrk="0" hangingPunct="1">
+      <a:defRPr sz="1200" kern="1200">
+        <a:solidFill>
+          <a:schemeClr val="tx1"/>
+        </a:solidFill>
+        <a:latin typeface="+mn-lt"/>
+        <a:ea typeface="+mn-ea"/>
+        <a:cs typeface="+mn-cs"/>
+      </a:defRPr>
+    </a:lvl8pPr>
+    <a:lvl9pPr marL="3657600" algn="l" defTabSz="914400" rtl="0" eaLnBrk="1" latinLnBrk="0" hangingPunct="1">
+      <a:defRPr sz="1200" kern="1200">
+        <a:solidFill>
+          <a:schemeClr val="tx1"/>
+        </a:solidFill>
+        <a:latin typeface="+mn-lt"/>
+        <a:ea typeface="+mn-ea"/>
+        <a:cs typeface="+mn-cs"/>
+      </a:defRPr>
+    </a:lvl9pPr>
+  </p:notesStyle>
+</p:notesMaster>
+</file>
+
+<file path=ppt/notesSlides/notesSlide1.xml><?xml version="1.0" encoding="utf-8"?>
+<p:notes xmlns:a="http://schemas.openxmlformats.org/drawingml/2006/main" xmlns:r="http://schemas.openxmlformats.org/officeDocument/2006/relationships" xmlns:p="http://schemas.openxmlformats.org/presentationml/2006/main">
+  <p:cSld>
+    <p:spTree>
+      <p:nvGrpSpPr>
+        <p:cNvPr id="1" name=""/>
+        <p:cNvGrpSpPr/>
+        <p:nvPr/>
+      </p:nvGrpSpPr>
+      <p:grpSpPr>
+        <a:xfrm>
+          <a:off x="0" y="0"/>
+          <a:ext cx="0" cy="0"/>
+          <a:chOff x="0" y="0"/>
+          <a:chExt cx="0" cy="0"/>
+        </a:xfrm>
+      </p:grpSpPr>
+      <p:sp>
+        <p:nvSpPr>
+          <p:cNvPr id="2" name="Slide Image Placeholder 1"/>
+          <p:cNvSpPr>
+            <a:spLocks noGrp="1" noRot="1" noChangeAspect="1"/>
+          </p:cNvSpPr>
+          <p:nvPr>
+            <p:ph type="sldImg"/>
+          </p:nvPr>
+        </p:nvSpPr>
+        <p:spPr/>
+      </p:sp>
+      <p:sp>
+        <p:nvSpPr>
+          <p:cNvPr id="3" name="Notes Placeholder 2"/>
+          <p:cNvSpPr>
+            <a:spLocks noGrp="1"/>
+          </p:cNvSpPr>
+          <p:nvPr>
+            <p:ph type="body" idx="1"/>
+          </p:nvPr>
+        </p:nvSpPr>
+        <p:spPr/>
+        <p:txBody>
+          <a:bodyPr/>
+          <a:lstStyle/>
+          <a:p>
+            <a:r>
+              <a:rPr lang="en-US" dirty="0" smtClean="0"/>
+              <a:t>No interpretation at runtime</a:t>
+            </a:r>
+          </a:p>
+          <a:p>
+            <a:r>
+              <a:rPr lang="en-US" dirty="0" smtClean="0"/>
+              <a:t>Passes through</a:t>
+            </a:r>
+            <a:r>
+              <a:rPr lang="en-US" baseline="0" dirty="0" smtClean="0"/>
+              <a:t> JavaScript Line without warnings</a:t>
+            </a:r>
+          </a:p>
+          <a:p>
+            <a:r>
+              <a:rPr lang="en-US" baseline="0" dirty="0" smtClean="0"/>
+              <a:t>Tends to run faster than handwritten JavaScript</a:t>
+            </a:r>
+            <a:endParaRPr lang="en-US" dirty="0"/>
+          </a:p>
+        </p:txBody>
+      </p:sp>
+      <p:sp>
+        <p:nvSpPr>
+          <p:cNvPr id="4" name="Slide Number Placeholder 3"/>
+          <p:cNvSpPr>
+            <a:spLocks noGrp="1"/>
+          </p:cNvSpPr>
+          <p:nvPr>
+            <p:ph type="sldNum" sz="quarter" idx="10"/>
+          </p:nvPr>
+        </p:nvSpPr>
+        <p:spPr/>
+        <p:txBody>
+          <a:bodyPr/>
+          <a:lstStyle/>
+          <a:p>
+            <a:fld id="{32B1E7F8-77C5-4D32-B0D8-AF9F13EB2910}" type="slidenum">
+              <a:rPr lang="en-US" smtClean="0"/>
+              <a:t>3</a:t>
+            </a:fld>
+            <a:endParaRPr lang="en-US"/>
+          </a:p>
+        </p:txBody>
+      </p:sp>
+    </p:spTree>
+    <p:extLst>
+      <p:ext uri="{BB962C8B-B14F-4D97-AF65-F5344CB8AC3E}">
+        <p14:creationId xmlns:p14="http://schemas.microsoft.com/office/powerpoint/2010/main" val="494777256"/>
+      </p:ext>
+    </p:extLst>
+  </p:cSld>
+  <p:clrMapOvr>
+    <a:masterClrMapping/>
+  </p:clrMapOvr>
+</p:notes>
+</file>
+
+<file path=ppt/notesSlides/notesSlide2.xml><?xml version="1.0" encoding="utf-8"?>
+<p:notes xmlns:a="http://schemas.openxmlformats.org/drawingml/2006/main" xmlns:r="http://schemas.openxmlformats.org/officeDocument/2006/relationships" xmlns:p="http://schemas.openxmlformats.org/presentationml/2006/main">
+  <p:cSld>
+    <p:spTree>
+      <p:nvGrpSpPr>
+        <p:cNvPr id="1" name=""/>
+        <p:cNvGrpSpPr/>
+        <p:nvPr/>
+      </p:nvGrpSpPr>
+      <p:grpSpPr>
+        <a:xfrm>
+          <a:off x="0" y="0"/>
+          <a:ext cx="0" cy="0"/>
+          <a:chOff x="0" y="0"/>
+          <a:chExt cx="0" cy="0"/>
+        </a:xfrm>
+      </p:grpSpPr>
+      <p:sp>
+        <p:nvSpPr>
+          <p:cNvPr id="2" name="Slide Image Placeholder 1"/>
+          <p:cNvSpPr>
+            <a:spLocks noGrp="1" noRot="1" noChangeAspect="1"/>
+          </p:cNvSpPr>
+          <p:nvPr>
+            <p:ph type="sldImg"/>
+          </p:nvPr>
+        </p:nvSpPr>
+        <p:spPr/>
+      </p:sp>
+      <p:sp>
+        <p:nvSpPr>
+          <p:cNvPr id="3" name="Notes Placeholder 2"/>
+          <p:cNvSpPr>
+            <a:spLocks noGrp="1"/>
+          </p:cNvSpPr>
+          <p:nvPr>
+            <p:ph type="body" idx="1"/>
+          </p:nvPr>
+        </p:nvSpPr>
+        <p:spPr/>
+        <p:txBody>
+          <a:bodyPr/>
+          <a:lstStyle/>
+          <a:p>
+            <a:r>
+              <a:rPr lang="en-US" sz="1200" b="0" i="0" kern="1200" dirty="0" smtClean="0">
+                <a:solidFill>
+                  <a:schemeClr val="tx1"/>
+                </a:solidFill>
+                <a:effectLst/>
+                <a:latin typeface="+mn-lt"/>
+                <a:ea typeface="+mn-ea"/>
+                <a:cs typeface="+mn-cs"/>
+              </a:rPr>
+              <a:t>Although suppressed within this documentation for clarity, </a:t>
+            </a:r>
+          </a:p>
+          <a:p>
+            <a:r>
+              <a:rPr lang="en-US" sz="1200" b="0" i="0" kern="1200" dirty="0" smtClean="0">
+                <a:solidFill>
+                  <a:schemeClr val="tx1"/>
+                </a:solidFill>
+                <a:effectLst/>
+                <a:latin typeface="+mn-lt"/>
+                <a:ea typeface="+mn-ea"/>
+                <a:cs typeface="+mn-cs"/>
+              </a:rPr>
+              <a:t>all CoffeeScript output is wrapped in an anonymous function: </a:t>
+            </a:r>
+            <a:r>
+              <a:rPr lang="en-US" dirty="0" smtClean="0"/>
+              <a:t>(function(){ ... })();</a:t>
+            </a:r>
+            <a:r>
+              <a:rPr lang="en-US" sz="1200" b="0" i="0" kern="1200" dirty="0" smtClean="0">
+                <a:solidFill>
+                  <a:schemeClr val="tx1"/>
+                </a:solidFill>
+                <a:effectLst/>
+                <a:latin typeface="+mn-lt"/>
+                <a:ea typeface="+mn-ea"/>
+                <a:cs typeface="+mn-cs"/>
+              </a:rPr>
+              <a:t> This safety wrapper, combined with the automatic generation of the </a:t>
+            </a:r>
+            <a:r>
+              <a:rPr lang="en-US" dirty="0" smtClean="0"/>
+              <a:t>var</a:t>
+            </a:r>
+            <a:r>
+              <a:rPr lang="en-US" sz="1200" b="0" i="0" kern="1200" dirty="0" smtClean="0">
+                <a:solidFill>
+                  <a:schemeClr val="tx1"/>
+                </a:solidFill>
+                <a:effectLst/>
+                <a:latin typeface="+mn-lt"/>
+                <a:ea typeface="+mn-ea"/>
+                <a:cs typeface="+mn-cs"/>
+              </a:rPr>
+              <a:t> keyword, make it exceedingly difficult to pollute the global namespace by accident.</a:t>
+            </a:r>
+          </a:p>
+          <a:p>
+            <a:endParaRPr lang="en-US" sz="1200" b="0" i="0" kern="1200" dirty="0" smtClean="0">
+              <a:solidFill>
+                <a:schemeClr val="tx1"/>
+              </a:solidFill>
+              <a:effectLst/>
+              <a:latin typeface="+mn-lt"/>
+              <a:ea typeface="+mn-ea"/>
+              <a:cs typeface="+mn-cs"/>
+            </a:endParaRPr>
+          </a:p>
+          <a:p>
+            <a:r>
+              <a:rPr lang="en-US" sz="1200" b="0" i="0" kern="1200" dirty="0" smtClean="0">
+                <a:solidFill>
+                  <a:schemeClr val="tx1"/>
+                </a:solidFill>
+                <a:effectLst/>
+                <a:latin typeface="+mn-lt"/>
+                <a:ea typeface="+mn-ea"/>
+                <a:cs typeface="+mn-cs"/>
+              </a:rPr>
+              <a:t>If you'd like to create top-level variables for other scripts to use, attach them as properties on </a:t>
+            </a:r>
+            <a:r>
+              <a:rPr lang="en-US" sz="1200" b="1" i="0" kern="1200" dirty="0" smtClean="0">
+                <a:solidFill>
+                  <a:schemeClr val="tx1"/>
+                </a:solidFill>
+                <a:effectLst/>
+                <a:latin typeface="+mn-lt"/>
+                <a:ea typeface="+mn-ea"/>
+                <a:cs typeface="+mn-cs"/>
+              </a:rPr>
+              <a:t>window</a:t>
+            </a:r>
+            <a:endParaRPr lang="en-US" dirty="0"/>
+          </a:p>
+        </p:txBody>
+      </p:sp>
+      <p:sp>
+        <p:nvSpPr>
+          <p:cNvPr id="4" name="Slide Number Placeholder 3"/>
+          <p:cNvSpPr>
+            <a:spLocks noGrp="1"/>
+          </p:cNvSpPr>
+          <p:nvPr>
+            <p:ph type="sldNum" sz="quarter" idx="10"/>
+          </p:nvPr>
+        </p:nvSpPr>
+        <p:spPr/>
+        <p:txBody>
+          <a:bodyPr/>
+          <a:lstStyle/>
+          <a:p>
+            <a:fld id="{32B1E7F8-77C5-4D32-B0D8-AF9F13EB2910}" type="slidenum">
+              <a:rPr lang="en-US" smtClean="0"/>
+              <a:t>4</a:t>
+            </a:fld>
+            <a:endParaRPr lang="en-US"/>
+          </a:p>
+        </p:txBody>
+      </p:sp>
+    </p:spTree>
+    <p:extLst>
+      <p:ext uri="{BB962C8B-B14F-4D97-AF65-F5344CB8AC3E}">
+        <p14:creationId xmlns:p14="http://schemas.microsoft.com/office/powerpoint/2010/main" val="2037053318"/>
+      </p:ext>
+    </p:extLst>
+  </p:cSld>
+  <p:clrMapOvr>
+    <a:masterClrMapping/>
+  </p:clrMapOvr>
+</p:notes>
 </file>
 
 <file path=ppt/slideLayouts/slideLayout1.xml><?xml version="1.0" encoding="utf-8"?>
@@ -292,7 +950,7 @@
           <a:p>
             <a:fld id="{7B7338AB-7A8F-4BF5-96DA-F3029945E2E3}" type="datetimeFigureOut">
               <a:rPr lang="en-US" smtClean="0"/>
-              <a:t>5/30/2013</a:t>
+              <a:t>5/31/2013</a:t>
             </a:fld>
             <a:endParaRPr lang="en-US"/>
           </a:p>
@@ -462,7 +1120,7 @@
           <a:p>
             <a:fld id="{7B7338AB-7A8F-4BF5-96DA-F3029945E2E3}" type="datetimeFigureOut">
               <a:rPr lang="en-US" smtClean="0"/>
-              <a:t>5/30/2013</a:t>
+              <a:t>5/31/2013</a:t>
             </a:fld>
             <a:endParaRPr lang="en-US"/>
           </a:p>
@@ -642,7 +1300,7 @@
           <a:p>
             <a:fld id="{7B7338AB-7A8F-4BF5-96DA-F3029945E2E3}" type="datetimeFigureOut">
               <a:rPr lang="en-US" smtClean="0"/>
-              <a:t>5/30/2013</a:t>
+              <a:t>5/31/2013</a:t>
             </a:fld>
             <a:endParaRPr lang="en-US"/>
           </a:p>
@@ -812,7 +1470,7 @@
           <a:p>
             <a:fld id="{7B7338AB-7A8F-4BF5-96DA-F3029945E2E3}" type="datetimeFigureOut">
               <a:rPr lang="en-US" smtClean="0"/>
-              <a:t>5/30/2013</a:t>
+              <a:t>5/31/2013</a:t>
             </a:fld>
             <a:endParaRPr lang="en-US"/>
           </a:p>
@@ -1058,7 +1716,7 @@
           <a:p>
             <a:fld id="{7B7338AB-7A8F-4BF5-96DA-F3029945E2E3}" type="datetimeFigureOut">
               <a:rPr lang="en-US" smtClean="0"/>
-              <a:t>5/30/2013</a:t>
+              <a:t>5/31/2013</a:t>
             </a:fld>
             <a:endParaRPr lang="en-US"/>
           </a:p>
@@ -1346,7 +2004,7 @@
           <a:p>
             <a:fld id="{7B7338AB-7A8F-4BF5-96DA-F3029945E2E3}" type="datetimeFigureOut">
               <a:rPr lang="en-US" smtClean="0"/>
-              <a:t>5/30/2013</a:t>
+              <a:t>5/31/2013</a:t>
             </a:fld>
             <a:endParaRPr lang="en-US"/>
           </a:p>
@@ -1768,7 +2426,7 @@
           <a:p>
             <a:fld id="{7B7338AB-7A8F-4BF5-96DA-F3029945E2E3}" type="datetimeFigureOut">
               <a:rPr lang="en-US" smtClean="0"/>
-              <a:t>5/30/2013</a:t>
+              <a:t>5/31/2013</a:t>
             </a:fld>
             <a:endParaRPr lang="en-US"/>
           </a:p>
@@ -1886,7 +2544,7 @@
           <a:p>
             <a:fld id="{7B7338AB-7A8F-4BF5-96DA-F3029945E2E3}" type="datetimeFigureOut">
               <a:rPr lang="en-US" smtClean="0"/>
-              <a:t>5/30/2013</a:t>
+              <a:t>5/31/2013</a:t>
             </a:fld>
             <a:endParaRPr lang="en-US"/>
           </a:p>
@@ -1981,7 +2639,7 @@
           <a:p>
             <a:fld id="{7B7338AB-7A8F-4BF5-96DA-F3029945E2E3}" type="datetimeFigureOut">
               <a:rPr lang="en-US" smtClean="0"/>
-              <a:t>5/30/2013</a:t>
+              <a:t>5/31/2013</a:t>
             </a:fld>
             <a:endParaRPr lang="en-US"/>
           </a:p>
@@ -2258,7 +2916,7 @@
           <a:p>
             <a:fld id="{7B7338AB-7A8F-4BF5-96DA-F3029945E2E3}" type="datetimeFigureOut">
               <a:rPr lang="en-US" smtClean="0"/>
-              <a:t>5/30/2013</a:t>
+              <a:t>5/31/2013</a:t>
             </a:fld>
             <a:endParaRPr lang="en-US"/>
           </a:p>
@@ -2511,7 +3169,7 @@
           <a:p>
             <a:fld id="{7B7338AB-7A8F-4BF5-96DA-F3029945E2E3}" type="datetimeFigureOut">
               <a:rPr lang="en-US" smtClean="0"/>
-              <a:t>5/30/2013</a:t>
+              <a:t>5/31/2013</a:t>
             </a:fld>
             <a:endParaRPr lang="en-US"/>
           </a:p>
@@ -2724,7 +3382,7 @@
           <a:p>
             <a:fld id="{7B7338AB-7A8F-4BF5-96DA-F3029945E2E3}" type="datetimeFigureOut">
               <a:rPr lang="en-US" smtClean="0"/>
-              <a:t>5/30/2013</a:t>
+              <a:t>5/31/2013</a:t>
             </a:fld>
             <a:endParaRPr lang="en-US"/>
           </a:p>
@@ -3121,8 +3779,8 @@
         </p:blipFill>
         <p:spPr>
           <a:xfrm>
-            <a:off x="2743200" y="152399"/>
-            <a:ext cx="3352800" cy="1666493"/>
+            <a:off x="2476500" y="47309"/>
+            <a:ext cx="4191000" cy="2083116"/>
           </a:xfrm>
           <a:prstGeom prst="rect">
             <a:avLst/>
@@ -3139,7 +3797,12 @@
             <p:ph type="ctrTitle"/>
           </p:nvPr>
         </p:nvSpPr>
-        <p:spPr/>
+        <p:spPr>
+          <a:xfrm>
+            <a:off x="685800" y="2165554"/>
+            <a:ext cx="7772400" cy="1470025"/>
+          </a:xfrm>
+        </p:spPr>
         <p:txBody>
           <a:bodyPr/>
           <a:lstStyle/>
@@ -3224,6 +3887,245 @@
   <p:clrMapOvr>
     <a:masterClrMapping/>
   </p:clrMapOvr>
+</p:sld>
+</file>
+
+<file path=ppt/slides/slide10.xml><?xml version="1.0" encoding="utf-8"?>
+<p:sld xmlns:a="http://schemas.openxmlformats.org/drawingml/2006/main" xmlns:r="http://schemas.openxmlformats.org/officeDocument/2006/relationships" xmlns:p="http://schemas.openxmlformats.org/presentationml/2006/main">
+  <p:cSld>
+    <p:spTree>
+      <p:nvGrpSpPr>
+        <p:cNvPr id="1" name=""/>
+        <p:cNvGrpSpPr/>
+        <p:nvPr/>
+      </p:nvGrpSpPr>
+      <p:grpSpPr>
+        <a:xfrm>
+          <a:off x="0" y="0"/>
+          <a:ext cx="0" cy="0"/>
+          <a:chOff x="0" y="0"/>
+          <a:chExt cx="0" cy="0"/>
+        </a:xfrm>
+      </p:grpSpPr>
+      <p:sp>
+        <p:nvSpPr>
+          <p:cNvPr id="2" name="Title 1"/>
+          <p:cNvSpPr>
+            <a:spLocks noGrp="1"/>
+          </p:cNvSpPr>
+          <p:nvPr>
+            <p:ph type="title"/>
+          </p:nvPr>
+        </p:nvSpPr>
+        <p:spPr/>
+        <p:txBody>
+          <a:bodyPr/>
+          <a:lstStyle/>
+          <a:p>
+            <a:r>
+              <a:rPr lang="en-US" dirty="0" smtClean="0"/>
+              <a:t>Links</a:t>
+            </a:r>
+            <a:endParaRPr lang="en-US" dirty="0"/>
+          </a:p>
+        </p:txBody>
+      </p:sp>
+      <p:sp>
+        <p:nvSpPr>
+          <p:cNvPr id="3" name="Content Placeholder 2"/>
+          <p:cNvSpPr>
+            <a:spLocks noGrp="1"/>
+          </p:cNvSpPr>
+          <p:nvPr>
+            <p:ph idx="1"/>
+          </p:nvPr>
+        </p:nvSpPr>
+        <p:spPr/>
+        <p:txBody>
+          <a:bodyPr>
+            <a:normAutofit/>
+          </a:bodyPr>
+          <a:lstStyle/>
+          <a:p>
+            <a:pPr marL="0" indent="0" algn="ctr">
+              <a:buNone/>
+            </a:pPr>
+            <a:r>
+              <a:rPr lang="en-US" sz="2400" dirty="0" smtClean="0"/>
+              <a:t>CoffeeScript: </a:t>
+            </a:r>
+            <a:r>
+              <a:rPr lang="en-US" sz="2400" dirty="0" smtClean="0">
+                <a:hlinkClick r:id="rId2"/>
+              </a:rPr>
+              <a:t>http://coffeescript.org/</a:t>
+            </a:r>
+            <a:endParaRPr lang="en-US" sz="2400" dirty="0" smtClean="0"/>
+          </a:p>
+          <a:p>
+            <a:pPr marL="0" indent="0" algn="ctr">
+              <a:buNone/>
+            </a:pPr>
+            <a:r>
+              <a:rPr lang="en-US" sz="2400" dirty="0" smtClean="0"/>
+              <a:t>Mindscape Web Workbench: </a:t>
+            </a:r>
+            <a:r>
+              <a:rPr lang="en-US" sz="2400" dirty="0" smtClean="0">
+                <a:hlinkClick r:id="rId3"/>
+              </a:rPr>
+              <a:t>http://bit.ly/poXJkB</a:t>
+            </a:r>
+            <a:endParaRPr lang="en-US" sz="2400" dirty="0" smtClean="0"/>
+          </a:p>
+          <a:p>
+            <a:pPr marL="0" indent="0" algn="ctr">
+              <a:buNone/>
+            </a:pPr>
+            <a:r>
+              <a:rPr lang="en-US" sz="2400" dirty="0" smtClean="0"/>
+              <a:t>Web Essentials 2012: </a:t>
+            </a:r>
+            <a:r>
+              <a:rPr lang="en-US" sz="2400" dirty="0" smtClean="0">
+                <a:hlinkClick r:id="rId4"/>
+              </a:rPr>
+              <a:t>http://vswebessentials.com/</a:t>
+            </a:r>
+            <a:endParaRPr lang="en-US" sz="2400" dirty="0" smtClean="0"/>
+          </a:p>
+          <a:p>
+            <a:pPr marL="0" indent="0" algn="ctr">
+              <a:buNone/>
+            </a:pPr>
+            <a:r>
+              <a:rPr lang="en-US" sz="2400" dirty="0" smtClean="0"/>
+              <a:t>“CoffeeScript Accelerated JavaScript Development” by Trevor Burnham : </a:t>
+            </a:r>
+            <a:r>
+              <a:rPr lang="en-US" sz="2400" dirty="0" smtClean="0">
+                <a:hlinkClick r:id="rId5"/>
+              </a:rPr>
+              <a:t>http://pragprog.com/book/tbcoffee/coffeescript</a:t>
+            </a:r>
+            <a:r>
+              <a:rPr lang="en-US" sz="2400" dirty="0" smtClean="0"/>
+              <a:t> </a:t>
+            </a:r>
+            <a:endParaRPr lang="en-US" sz="2400" dirty="0"/>
+          </a:p>
+        </p:txBody>
+      </p:sp>
+    </p:spTree>
+    <p:extLst>
+      <p:ext uri="{BB962C8B-B14F-4D97-AF65-F5344CB8AC3E}">
+        <p14:creationId xmlns:p14="http://schemas.microsoft.com/office/powerpoint/2010/main" val="737891219"/>
+      </p:ext>
+    </p:extLst>
+  </p:cSld>
+  <p:clrMapOvr>
+    <a:masterClrMapping/>
+  </p:clrMapOvr>
+  <p:timing>
+    <p:tnLst>
+      <p:par>
+        <p:cTn id="1" dur="indefinite" restart="never" nodeType="tmRoot"/>
+      </p:par>
+    </p:tnLst>
+  </p:timing>
+</p:sld>
+</file>
+
+<file path=ppt/slides/slide11.xml><?xml version="1.0" encoding="utf-8"?>
+<p:sld xmlns:a="http://schemas.openxmlformats.org/drawingml/2006/main" xmlns:r="http://schemas.openxmlformats.org/officeDocument/2006/relationships" xmlns:p="http://schemas.openxmlformats.org/presentationml/2006/main">
+  <p:cSld>
+    <p:spTree>
+      <p:nvGrpSpPr>
+        <p:cNvPr id="1" name=""/>
+        <p:cNvGrpSpPr/>
+        <p:nvPr/>
+      </p:nvGrpSpPr>
+      <p:grpSpPr>
+        <a:xfrm>
+          <a:off x="0" y="0"/>
+          <a:ext cx="0" cy="0"/>
+          <a:chOff x="0" y="0"/>
+          <a:chExt cx="0" cy="0"/>
+        </a:xfrm>
+      </p:grpSpPr>
+      <p:sp>
+        <p:nvSpPr>
+          <p:cNvPr id="2" name="Title 1"/>
+          <p:cNvSpPr>
+            <a:spLocks noGrp="1"/>
+          </p:cNvSpPr>
+          <p:nvPr>
+            <p:ph type="title"/>
+          </p:nvPr>
+        </p:nvSpPr>
+        <p:spPr/>
+        <p:txBody>
+          <a:bodyPr/>
+          <a:lstStyle/>
+          <a:p>
+            <a:r>
+              <a:rPr lang="en-US" dirty="0" smtClean="0"/>
+              <a:t>Thank you </a:t>
+            </a:r>
+            <a:r>
+              <a:rPr lang="en-US" smtClean="0"/>
+              <a:t>for attending!</a:t>
+            </a:r>
+            <a:endParaRPr lang="en-US" dirty="0"/>
+          </a:p>
+        </p:txBody>
+      </p:sp>
+      <p:pic>
+        <p:nvPicPr>
+          <p:cNvPr id="4" name="Content Placeholder 3"/>
+          <p:cNvPicPr>
+            <a:picLocks noGrp="1" noChangeAspect="1"/>
+          </p:cNvPicPr>
+          <p:nvPr>
+            <p:ph idx="1"/>
+          </p:nvPr>
+        </p:nvPicPr>
+        <p:blipFill>
+          <a:blip r:embed="rId2">
+            <a:extLst>
+              <a:ext uri="{28A0092B-C50C-407E-A947-70E740481C1C}">
+                <a14:useLocalDpi xmlns:a14="http://schemas.microsoft.com/office/drawing/2010/main" val="0"/>
+              </a:ext>
+            </a:extLst>
+          </a:blip>
+          <a:stretch>
+            <a:fillRect/>
+          </a:stretch>
+        </p:blipFill>
+        <p:spPr>
+          <a:xfrm>
+            <a:off x="639976" y="1600200"/>
+            <a:ext cx="7864048" cy="4525963"/>
+          </a:xfrm>
+        </p:spPr>
+      </p:pic>
+    </p:spTree>
+    <p:extLst>
+      <p:ext uri="{BB962C8B-B14F-4D97-AF65-F5344CB8AC3E}">
+        <p14:creationId xmlns:p14="http://schemas.microsoft.com/office/powerpoint/2010/main" val="189790367"/>
+      </p:ext>
+    </p:extLst>
+  </p:cSld>
+  <p:clrMapOvr>
+    <a:masterClrMapping/>
+  </p:clrMapOvr>
+  <p:timing>
+    <p:tnLst>
+      <p:par>
+        <p:cTn id="1" dur="indefinite" restart="never" nodeType="tmRoot"/>
+      </p:par>
+    </p:tnLst>
+  </p:timing>
 </p:sld>
 </file>
 
@@ -3294,8 +4196,19 @@
             </a:r>
             <a:r>
               <a:rPr lang="en-US" i="1" dirty="0" smtClean="0"/>
-              <a:t>Pro Agile .NET Development with Scrum</a:t>
-            </a:r>
+              <a:t>Pro Agile .NET Development with </a:t>
+            </a:r>
+            <a:r>
+              <a:rPr lang="en-US" i="1" dirty="0" smtClean="0"/>
+              <a:t>Scrum</a:t>
+            </a:r>
+          </a:p>
+          <a:p>
+            <a:r>
+              <a:rPr lang="en-US" dirty="0" smtClean="0"/>
+              <a:t>.NET Developer</a:t>
+            </a:r>
+            <a:endParaRPr lang="en-US" dirty="0" smtClean="0"/>
           </a:p>
           <a:p>
             <a:r>
@@ -3332,6 +4245,1607 @@
 </file>
 
 <file path=ppt/slides/slide3.xml><?xml version="1.0" encoding="utf-8"?>
+<p:sld xmlns:a="http://schemas.openxmlformats.org/drawingml/2006/main" xmlns:r="http://schemas.openxmlformats.org/officeDocument/2006/relationships" xmlns:p="http://schemas.openxmlformats.org/presentationml/2006/main">
+  <p:cSld>
+    <p:spTree>
+      <p:nvGrpSpPr>
+        <p:cNvPr id="1" name=""/>
+        <p:cNvGrpSpPr/>
+        <p:nvPr/>
+      </p:nvGrpSpPr>
+      <p:grpSpPr>
+        <a:xfrm>
+          <a:off x="0" y="0"/>
+          <a:ext cx="0" cy="0"/>
+          <a:chOff x="0" y="0"/>
+          <a:chExt cx="0" cy="0"/>
+        </a:xfrm>
+      </p:grpSpPr>
+      <p:sp>
+        <p:nvSpPr>
+          <p:cNvPr id="2" name="Title 1"/>
+          <p:cNvSpPr>
+            <a:spLocks noGrp="1"/>
+          </p:cNvSpPr>
+          <p:nvPr>
+            <p:ph type="title"/>
+          </p:nvPr>
+        </p:nvSpPr>
+        <p:spPr/>
+        <p:txBody>
+          <a:bodyPr/>
+          <a:lstStyle/>
+          <a:p>
+            <a:r>
+              <a:rPr lang="en-US" dirty="0" smtClean="0"/>
+              <a:t>What is CoffeeScript</a:t>
+            </a:r>
+            <a:endParaRPr lang="en-US" dirty="0"/>
+          </a:p>
+        </p:txBody>
+      </p:sp>
+      <p:sp>
+        <p:nvSpPr>
+          <p:cNvPr id="3" name="Content Placeholder 2"/>
+          <p:cNvSpPr>
+            <a:spLocks noGrp="1"/>
+          </p:cNvSpPr>
+          <p:nvPr>
+            <p:ph idx="1"/>
+          </p:nvPr>
+        </p:nvSpPr>
+        <p:spPr/>
+        <p:txBody>
+          <a:bodyPr/>
+          <a:lstStyle/>
+          <a:p>
+            <a:r>
+              <a:rPr lang="en-US" dirty="0" smtClean="0"/>
+              <a:t>A way to expose the good parts of JavaScript</a:t>
+            </a:r>
+          </a:p>
+          <a:p>
+            <a:pPr lvl="1"/>
+            <a:r>
+              <a:rPr lang="en-US" dirty="0" smtClean="0"/>
+              <a:t>In a simple way</a:t>
+            </a:r>
+          </a:p>
+          <a:p>
+            <a:r>
+              <a:rPr lang="en-US" dirty="0" smtClean="0"/>
+              <a:t>Compiles into JavaScript</a:t>
+            </a:r>
+          </a:p>
+          <a:p>
+            <a:pPr lvl="1"/>
+            <a:r>
+              <a:rPr lang="en-US" dirty="0" smtClean="0"/>
+              <a:t>1 to 1 compilation into equivalent JavaScript</a:t>
+            </a:r>
+          </a:p>
+          <a:p>
+            <a:r>
+              <a:rPr lang="en-US" dirty="0" smtClean="0"/>
+              <a:t>Works with all JavaScript runtimes &amp; libraries</a:t>
+            </a:r>
+          </a:p>
+          <a:p>
+            <a:pPr marL="0" indent="0">
+              <a:buNone/>
+            </a:pPr>
+            <a:endParaRPr lang="en-US" dirty="0" smtClean="0"/>
+          </a:p>
+          <a:p>
+            <a:endParaRPr lang="en-US" dirty="0"/>
+          </a:p>
+        </p:txBody>
+      </p:sp>
+    </p:spTree>
+    <p:extLst>
+      <p:ext uri="{BB962C8B-B14F-4D97-AF65-F5344CB8AC3E}">
+        <p14:creationId xmlns:p14="http://schemas.microsoft.com/office/powerpoint/2010/main" val="1170897163"/>
+      </p:ext>
+    </p:extLst>
+  </p:cSld>
+  <p:clrMapOvr>
+    <a:masterClrMapping/>
+  </p:clrMapOvr>
+</p:sld>
+</file>
+
+<file path=ppt/slides/slide4.xml><?xml version="1.0" encoding="utf-8"?>
+<p:sld xmlns:a="http://schemas.openxmlformats.org/drawingml/2006/main" xmlns:r="http://schemas.openxmlformats.org/officeDocument/2006/relationships" xmlns:p="http://schemas.openxmlformats.org/presentationml/2006/main">
+  <p:cSld>
+    <p:spTree>
+      <p:nvGrpSpPr>
+        <p:cNvPr id="1" name=""/>
+        <p:cNvGrpSpPr/>
+        <p:nvPr/>
+      </p:nvGrpSpPr>
+      <p:grpSpPr>
+        <a:xfrm>
+          <a:off x="0" y="0"/>
+          <a:ext cx="0" cy="0"/>
+          <a:chOff x="0" y="0"/>
+          <a:chExt cx="0" cy="0"/>
+        </a:xfrm>
+      </p:grpSpPr>
+      <p:sp>
+        <p:nvSpPr>
+          <p:cNvPr id="2" name="Title 1"/>
+          <p:cNvSpPr>
+            <a:spLocks noGrp="1"/>
+          </p:cNvSpPr>
+          <p:nvPr>
+            <p:ph type="title"/>
+          </p:nvPr>
+        </p:nvSpPr>
+        <p:spPr/>
+        <p:txBody>
+          <a:bodyPr/>
+          <a:lstStyle/>
+          <a:p>
+            <a:r>
+              <a:rPr lang="en-US" dirty="0" smtClean="0"/>
+              <a:t>CoffeeScript Examples</a:t>
+            </a:r>
+            <a:endParaRPr lang="en-US" dirty="0"/>
+          </a:p>
+        </p:txBody>
+      </p:sp>
+      <p:sp>
+        <p:nvSpPr>
+          <p:cNvPr id="4" name="Text Placeholder 3"/>
+          <p:cNvSpPr>
+            <a:spLocks noGrp="1"/>
+          </p:cNvSpPr>
+          <p:nvPr>
+            <p:ph type="body" idx="1"/>
+          </p:nvPr>
+        </p:nvSpPr>
+        <p:spPr/>
+        <p:txBody>
+          <a:bodyPr/>
+          <a:lstStyle/>
+          <a:p>
+            <a:r>
+              <a:rPr lang="en-US" dirty="0" smtClean="0"/>
+              <a:t>CoffeeScript</a:t>
+            </a:r>
+            <a:endParaRPr lang="en-US" dirty="0"/>
+          </a:p>
+        </p:txBody>
+      </p:sp>
+      <p:sp>
+        <p:nvSpPr>
+          <p:cNvPr id="5" name="Content Placeholder 4"/>
+          <p:cNvSpPr>
+            <a:spLocks noGrp="1"/>
+          </p:cNvSpPr>
+          <p:nvPr>
+            <p:ph sz="half" idx="2"/>
+          </p:nvPr>
+        </p:nvSpPr>
+        <p:spPr/>
+        <p:txBody>
+          <a:bodyPr>
+            <a:normAutofit fontScale="62500" lnSpcReduction="20000"/>
+          </a:bodyPr>
+          <a:lstStyle/>
+          <a:p>
+            <a:pPr marL="0" indent="0">
+              <a:buNone/>
+            </a:pPr>
+            <a:r>
+              <a:rPr lang="en-US" dirty="0" smtClean="0">
+                <a:solidFill>
+                  <a:srgbClr val="000000"/>
+                </a:solidFill>
+                <a:highlight>
+                  <a:srgbClr val="FFFFFF"/>
+                </a:highlight>
+                <a:latin typeface="Consolas" panose="020B0609020204030204" pitchFamily="49" charset="0"/>
+              </a:rPr>
+              <a:t> </a:t>
+            </a:r>
+            <a:r>
+              <a:rPr lang="en-US" dirty="0" smtClean="0">
+                <a:solidFill>
+                  <a:srgbClr val="008000"/>
+                </a:solidFill>
+                <a:highlight>
+                  <a:srgbClr val="FFFFFF"/>
+                </a:highlight>
+                <a:latin typeface="Consolas" panose="020B0609020204030204" pitchFamily="49" charset="0"/>
+              </a:rPr>
+              <a:t># </a:t>
+            </a:r>
+            <a:r>
+              <a:rPr lang="en-US" dirty="0">
+                <a:solidFill>
+                  <a:srgbClr val="008000"/>
+                </a:solidFill>
+                <a:highlight>
+                  <a:srgbClr val="FFFFFF"/>
+                </a:highlight>
+                <a:latin typeface="Consolas" panose="020B0609020204030204" pitchFamily="49" charset="0"/>
+              </a:rPr>
+              <a:t>Variable Assignment</a:t>
+            </a:r>
+            <a:endParaRPr lang="en-US" dirty="0">
+              <a:solidFill>
+                <a:srgbClr val="000000"/>
+              </a:solidFill>
+              <a:highlight>
+                <a:srgbClr val="FFFFFF"/>
+              </a:highlight>
+              <a:latin typeface="Consolas" panose="020B0609020204030204" pitchFamily="49" charset="0"/>
+            </a:endParaRPr>
+          </a:p>
+          <a:p>
+            <a:pPr marL="0" indent="0">
+              <a:buNone/>
+            </a:pPr>
+            <a:r>
+              <a:rPr lang="en-US" dirty="0">
+                <a:solidFill>
+                  <a:srgbClr val="000000"/>
+                </a:solidFill>
+                <a:highlight>
+                  <a:srgbClr val="FFFFFF"/>
+                </a:highlight>
+                <a:latin typeface="Consolas" panose="020B0609020204030204" pitchFamily="49" charset="0"/>
+              </a:rPr>
+              <a:t> number = 17</a:t>
+            </a:r>
+          </a:p>
+          <a:p>
+            <a:endParaRPr lang="en-US" dirty="0">
+              <a:solidFill>
+                <a:srgbClr val="000000"/>
+              </a:solidFill>
+              <a:highlight>
+                <a:srgbClr val="FFFFFF"/>
+              </a:highlight>
+              <a:latin typeface="Consolas" panose="020B0609020204030204" pitchFamily="49" charset="0"/>
+            </a:endParaRPr>
+          </a:p>
+          <a:p>
+            <a:pPr marL="0" indent="0">
+              <a:buNone/>
+            </a:pPr>
+            <a:r>
+              <a:rPr lang="en-US" dirty="0">
+                <a:solidFill>
+                  <a:srgbClr val="000000"/>
+                </a:solidFill>
+                <a:highlight>
+                  <a:srgbClr val="FFFFFF"/>
+                </a:highlight>
+                <a:latin typeface="Consolas" panose="020B0609020204030204" pitchFamily="49" charset="0"/>
+              </a:rPr>
+              <a:t> name = </a:t>
+            </a:r>
+            <a:r>
+              <a:rPr lang="en-US" dirty="0">
+                <a:solidFill>
+                  <a:srgbClr val="A31515"/>
+                </a:solidFill>
+                <a:highlight>
+                  <a:srgbClr val="FFFFFF"/>
+                </a:highlight>
+                <a:latin typeface="Consolas" panose="020B0609020204030204" pitchFamily="49" charset="0"/>
+              </a:rPr>
+              <a:t>"Jerrel"</a:t>
+            </a:r>
+            <a:endParaRPr lang="en-US" dirty="0">
+              <a:solidFill>
+                <a:srgbClr val="000000"/>
+              </a:solidFill>
+              <a:highlight>
+                <a:srgbClr val="FFFFFF"/>
+              </a:highlight>
+              <a:latin typeface="Consolas" panose="020B0609020204030204" pitchFamily="49" charset="0"/>
+            </a:endParaRPr>
+          </a:p>
+          <a:p>
+            <a:endParaRPr lang="en-US" dirty="0">
+              <a:solidFill>
+                <a:srgbClr val="000000"/>
+              </a:solidFill>
+              <a:highlight>
+                <a:srgbClr val="FFFFFF"/>
+              </a:highlight>
+              <a:latin typeface="Consolas" panose="020B0609020204030204" pitchFamily="49" charset="0"/>
+            </a:endParaRPr>
+          </a:p>
+          <a:p>
+            <a:pPr marL="0" indent="0">
+              <a:buNone/>
+            </a:pPr>
+            <a:r>
+              <a:rPr lang="en-US" dirty="0">
+                <a:solidFill>
+                  <a:srgbClr val="000000"/>
+                </a:solidFill>
+                <a:highlight>
+                  <a:srgbClr val="FFFFFF"/>
+                </a:highlight>
+                <a:latin typeface="Consolas" panose="020B0609020204030204" pitchFamily="49" charset="0"/>
+              </a:rPr>
+              <a:t> isSpeaking = </a:t>
+            </a:r>
+            <a:r>
+              <a:rPr lang="en-US" dirty="0">
+                <a:solidFill>
+                  <a:srgbClr val="2B91AF"/>
+                </a:solidFill>
+                <a:highlight>
+                  <a:srgbClr val="FFFFFF"/>
+                </a:highlight>
+                <a:latin typeface="Consolas" panose="020B0609020204030204" pitchFamily="49" charset="0"/>
+              </a:rPr>
+              <a:t>false</a:t>
+            </a:r>
+            <a:endParaRPr lang="en-US" dirty="0">
+              <a:solidFill>
+                <a:srgbClr val="000000"/>
+              </a:solidFill>
+              <a:highlight>
+                <a:srgbClr val="FFFFFF"/>
+              </a:highlight>
+              <a:latin typeface="Consolas" panose="020B0609020204030204" pitchFamily="49" charset="0"/>
+            </a:endParaRPr>
+          </a:p>
+          <a:p>
+            <a:endParaRPr lang="en-US" dirty="0">
+              <a:solidFill>
+                <a:srgbClr val="000000"/>
+              </a:solidFill>
+              <a:highlight>
+                <a:srgbClr val="FFFFFF"/>
+              </a:highlight>
+              <a:latin typeface="Consolas" panose="020B0609020204030204" pitchFamily="49" charset="0"/>
+            </a:endParaRPr>
+          </a:p>
+          <a:p>
+            <a:pPr marL="0" indent="0">
+              <a:buNone/>
+            </a:pPr>
+            <a:r>
+              <a:rPr lang="en-US" dirty="0">
+                <a:solidFill>
+                  <a:srgbClr val="000000"/>
+                </a:solidFill>
+                <a:highlight>
+                  <a:srgbClr val="FFFFFF"/>
+                </a:highlight>
+                <a:latin typeface="Consolas" panose="020B0609020204030204" pitchFamily="49" charset="0"/>
+              </a:rPr>
+              <a:t> arr = [1,2,3,4,5]</a:t>
+            </a:r>
+          </a:p>
+          <a:p>
+            <a:endParaRPr lang="en-US" dirty="0">
+              <a:solidFill>
+                <a:srgbClr val="000000"/>
+              </a:solidFill>
+              <a:highlight>
+                <a:srgbClr val="FFFFFF"/>
+              </a:highlight>
+              <a:latin typeface="Consolas" panose="020B0609020204030204" pitchFamily="49" charset="0"/>
+            </a:endParaRPr>
+          </a:p>
+          <a:p>
+            <a:pPr marL="0" indent="0">
+              <a:buNone/>
+            </a:pPr>
+            <a:r>
+              <a:rPr lang="en-US" dirty="0">
+                <a:solidFill>
+                  <a:srgbClr val="000000"/>
+                </a:solidFill>
+                <a:highlight>
+                  <a:srgbClr val="FFFFFF"/>
+                </a:highlight>
+                <a:latin typeface="Consolas" panose="020B0609020204030204" pitchFamily="49" charset="0"/>
+              </a:rPr>
+              <a:t> </a:t>
+            </a:r>
+            <a:r>
+              <a:rPr lang="en-US" dirty="0">
+                <a:solidFill>
+                  <a:srgbClr val="008000"/>
+                </a:solidFill>
+                <a:highlight>
+                  <a:srgbClr val="FFFFFF"/>
+                </a:highlight>
+                <a:latin typeface="Consolas" panose="020B0609020204030204" pitchFamily="49" charset="0"/>
+              </a:rPr>
+              <a:t>#Methods</a:t>
+            </a:r>
+            <a:endParaRPr lang="en-US" dirty="0">
+              <a:solidFill>
+                <a:srgbClr val="000000"/>
+              </a:solidFill>
+              <a:highlight>
+                <a:srgbClr val="FFFFFF"/>
+              </a:highlight>
+              <a:latin typeface="Consolas" panose="020B0609020204030204" pitchFamily="49" charset="0"/>
+            </a:endParaRPr>
+          </a:p>
+          <a:p>
+            <a:pPr marL="0" indent="0">
+              <a:buNone/>
+            </a:pPr>
+            <a:r>
+              <a:rPr lang="en-US" dirty="0">
+                <a:solidFill>
+                  <a:srgbClr val="000000"/>
+                </a:solidFill>
+                <a:highlight>
+                  <a:srgbClr val="FFFFFF"/>
+                </a:highlight>
+                <a:latin typeface="Consolas" panose="020B0609020204030204" pitchFamily="49" charset="0"/>
+              </a:rPr>
+              <a:t> add = (num1, num2) -&gt;</a:t>
+            </a:r>
+          </a:p>
+          <a:p>
+            <a:pPr marL="0" indent="0">
+              <a:buNone/>
+            </a:pPr>
+            <a:r>
+              <a:rPr lang="en-US" dirty="0">
+                <a:solidFill>
+                  <a:srgbClr val="000000"/>
+                </a:solidFill>
+                <a:highlight>
+                  <a:srgbClr val="FFFFFF"/>
+                </a:highlight>
+                <a:latin typeface="Consolas" panose="020B0609020204030204" pitchFamily="49" charset="0"/>
+              </a:rPr>
+              <a:t>    num1 + num2</a:t>
+            </a:r>
+          </a:p>
+          <a:p>
+            <a:endParaRPr lang="en-US" dirty="0">
+              <a:solidFill>
+                <a:srgbClr val="000000"/>
+              </a:solidFill>
+              <a:highlight>
+                <a:srgbClr val="FFFFFF"/>
+              </a:highlight>
+              <a:latin typeface="Consolas" panose="020B0609020204030204" pitchFamily="49" charset="0"/>
+            </a:endParaRPr>
+          </a:p>
+          <a:p>
+            <a:pPr marL="0" indent="0">
+              <a:buNone/>
+            </a:pPr>
+            <a:r>
+              <a:rPr lang="en-US" dirty="0">
+                <a:solidFill>
+                  <a:srgbClr val="000000"/>
+                </a:solidFill>
+                <a:highlight>
+                  <a:srgbClr val="FFFFFF"/>
+                </a:highlight>
+                <a:latin typeface="Consolas" panose="020B0609020204030204" pitchFamily="49" charset="0"/>
+              </a:rPr>
+              <a:t> </a:t>
+            </a:r>
+            <a:r>
+              <a:rPr lang="en-US" dirty="0">
+                <a:solidFill>
+                  <a:srgbClr val="008000"/>
+                </a:solidFill>
+                <a:highlight>
+                  <a:srgbClr val="FFFFFF"/>
+                </a:highlight>
+                <a:latin typeface="Consolas" panose="020B0609020204030204" pitchFamily="49" charset="0"/>
+              </a:rPr>
+              <a:t># Splats:</a:t>
+            </a:r>
+            <a:endParaRPr lang="en-US" dirty="0">
+              <a:solidFill>
+                <a:srgbClr val="000000"/>
+              </a:solidFill>
+              <a:highlight>
+                <a:srgbClr val="FFFFFF"/>
+              </a:highlight>
+              <a:latin typeface="Consolas" panose="020B0609020204030204" pitchFamily="49" charset="0"/>
+            </a:endParaRPr>
+          </a:p>
+          <a:p>
+            <a:pPr marL="0" indent="0">
+              <a:buNone/>
+            </a:pPr>
+            <a:r>
+              <a:rPr lang="en-US" dirty="0">
+                <a:solidFill>
+                  <a:srgbClr val="000000"/>
+                </a:solidFill>
+                <a:highlight>
+                  <a:srgbClr val="FFFFFF"/>
+                </a:highlight>
+                <a:latin typeface="Consolas" panose="020B0609020204030204" pitchFamily="49" charset="0"/>
+              </a:rPr>
+              <a:t> race = (winner, runners...) -&gt;</a:t>
+            </a:r>
+          </a:p>
+          <a:p>
+            <a:pPr marL="0" indent="0">
+              <a:buNone/>
+            </a:pPr>
+            <a:r>
+              <a:rPr lang="en-US" dirty="0" smtClean="0">
+                <a:solidFill>
+                  <a:srgbClr val="000000"/>
+                </a:solidFill>
+                <a:highlight>
+                  <a:srgbClr val="FFFFFF"/>
+                </a:highlight>
+                <a:latin typeface="Consolas" panose="020B0609020204030204" pitchFamily="49" charset="0"/>
+              </a:rPr>
+              <a:t>    </a:t>
+            </a:r>
+            <a:r>
+              <a:rPr lang="en-US" dirty="0">
+                <a:solidFill>
+                  <a:srgbClr val="0000FF"/>
+                </a:solidFill>
+                <a:highlight>
+                  <a:srgbClr val="FFFFFF"/>
+                </a:highlight>
+                <a:latin typeface="Consolas" panose="020B0609020204030204" pitchFamily="49" charset="0"/>
+              </a:rPr>
+              <a:t>print</a:t>
+            </a:r>
+            <a:r>
+              <a:rPr lang="en-US" dirty="0">
+                <a:solidFill>
+                  <a:srgbClr val="000000"/>
+                </a:solidFill>
+                <a:highlight>
+                  <a:srgbClr val="FFFFFF"/>
+                </a:highlight>
+                <a:latin typeface="Consolas" panose="020B0609020204030204" pitchFamily="49" charset="0"/>
+              </a:rPr>
+              <a:t> winner, runners</a:t>
+            </a:r>
+            <a:endParaRPr lang="en-US" dirty="0"/>
+          </a:p>
+        </p:txBody>
+      </p:sp>
+      <p:sp>
+        <p:nvSpPr>
+          <p:cNvPr id="6" name="Text Placeholder 5"/>
+          <p:cNvSpPr>
+            <a:spLocks noGrp="1"/>
+          </p:cNvSpPr>
+          <p:nvPr>
+            <p:ph type="body" sz="quarter" idx="3"/>
+          </p:nvPr>
+        </p:nvSpPr>
+        <p:spPr/>
+        <p:txBody>
+          <a:bodyPr/>
+          <a:lstStyle/>
+          <a:p>
+            <a:r>
+              <a:rPr lang="en-US" dirty="0" smtClean="0"/>
+              <a:t>JavaScript</a:t>
+            </a:r>
+            <a:endParaRPr lang="en-US" dirty="0"/>
+          </a:p>
+        </p:txBody>
+      </p:sp>
+      <p:sp>
+        <p:nvSpPr>
+          <p:cNvPr id="7" name="Content Placeholder 6"/>
+          <p:cNvSpPr>
+            <a:spLocks noGrp="1"/>
+          </p:cNvSpPr>
+          <p:nvPr>
+            <p:ph sz="quarter" idx="4"/>
+          </p:nvPr>
+        </p:nvSpPr>
+        <p:spPr/>
+        <p:txBody>
+          <a:bodyPr>
+            <a:normAutofit fontScale="40000" lnSpcReduction="20000"/>
+          </a:bodyPr>
+          <a:lstStyle/>
+          <a:p>
+            <a:pPr marL="0" indent="0">
+              <a:buNone/>
+            </a:pPr>
+            <a:r>
+              <a:rPr lang="en-US" dirty="0">
+                <a:solidFill>
+                  <a:srgbClr val="000000"/>
+                </a:solidFill>
+                <a:highlight>
+                  <a:srgbClr val="FFFFFF"/>
+                </a:highlight>
+                <a:latin typeface="Consolas" panose="020B0609020204030204" pitchFamily="49" charset="0"/>
+              </a:rPr>
+              <a:t>(</a:t>
+            </a:r>
+            <a:r>
+              <a:rPr lang="en-US" dirty="0">
+                <a:solidFill>
+                  <a:srgbClr val="0000FF"/>
+                </a:solidFill>
+                <a:highlight>
+                  <a:srgbClr val="FFFFFF"/>
+                </a:highlight>
+                <a:latin typeface="Consolas" panose="020B0609020204030204" pitchFamily="49" charset="0"/>
+              </a:rPr>
+              <a:t>function</a:t>
+            </a:r>
+            <a:r>
+              <a:rPr lang="en-US" dirty="0">
+                <a:solidFill>
+                  <a:srgbClr val="000000"/>
+                </a:solidFill>
+                <a:highlight>
+                  <a:srgbClr val="FFFFFF"/>
+                </a:highlight>
+                <a:latin typeface="Consolas" panose="020B0609020204030204" pitchFamily="49" charset="0"/>
+              </a:rPr>
+              <a:t>() {</a:t>
+            </a:r>
+          </a:p>
+          <a:p>
+            <a:pPr marL="0" indent="0">
+              <a:buNone/>
+            </a:pPr>
+            <a:r>
+              <a:rPr lang="en-US" dirty="0">
+                <a:solidFill>
+                  <a:srgbClr val="000000"/>
+                </a:solidFill>
+                <a:highlight>
+                  <a:srgbClr val="FFFFFF"/>
+                </a:highlight>
+                <a:latin typeface="Consolas" panose="020B0609020204030204" pitchFamily="49" charset="0"/>
+              </a:rPr>
+              <a:t>  </a:t>
+            </a:r>
+            <a:r>
+              <a:rPr lang="en-US" dirty="0">
+                <a:solidFill>
+                  <a:srgbClr val="0000FF"/>
+                </a:solidFill>
+                <a:highlight>
+                  <a:srgbClr val="FFFFFF"/>
+                </a:highlight>
+                <a:latin typeface="Consolas" panose="020B0609020204030204" pitchFamily="49" charset="0"/>
+              </a:rPr>
+              <a:t>var</a:t>
+            </a:r>
+            <a:r>
+              <a:rPr lang="en-US" dirty="0">
+                <a:solidFill>
+                  <a:srgbClr val="000000"/>
+                </a:solidFill>
+                <a:highlight>
+                  <a:srgbClr val="FFFFFF"/>
+                </a:highlight>
+                <a:latin typeface="Consolas" panose="020B0609020204030204" pitchFamily="49" charset="0"/>
+              </a:rPr>
+              <a:t> add, arr, isSpeaking, name, number, race,</a:t>
+            </a:r>
+          </a:p>
+          <a:p>
+            <a:pPr marL="0" indent="0">
+              <a:buNone/>
+            </a:pPr>
+            <a:r>
+              <a:rPr lang="en-US" dirty="0">
+                <a:solidFill>
+                  <a:srgbClr val="000000"/>
+                </a:solidFill>
+                <a:highlight>
+                  <a:srgbClr val="FFFFFF"/>
+                </a:highlight>
+                <a:latin typeface="Consolas" panose="020B0609020204030204" pitchFamily="49" charset="0"/>
+              </a:rPr>
+              <a:t>    __slice = [].slice;</a:t>
+            </a:r>
+          </a:p>
+          <a:p>
+            <a:endParaRPr lang="en-US" dirty="0">
+              <a:solidFill>
+                <a:srgbClr val="000000"/>
+              </a:solidFill>
+              <a:highlight>
+                <a:srgbClr val="FFFFFF"/>
+              </a:highlight>
+              <a:latin typeface="Consolas" panose="020B0609020204030204" pitchFamily="49" charset="0"/>
+            </a:endParaRPr>
+          </a:p>
+          <a:p>
+            <a:pPr marL="0" indent="0">
+              <a:buNone/>
+            </a:pPr>
+            <a:r>
+              <a:rPr lang="en-US" dirty="0">
+                <a:solidFill>
+                  <a:srgbClr val="000000"/>
+                </a:solidFill>
+                <a:highlight>
+                  <a:srgbClr val="FFFFFF"/>
+                </a:highlight>
+                <a:latin typeface="Consolas" panose="020B0609020204030204" pitchFamily="49" charset="0"/>
+              </a:rPr>
+              <a:t>  number = 17;</a:t>
+            </a:r>
+          </a:p>
+          <a:p>
+            <a:endParaRPr lang="en-US" dirty="0">
+              <a:solidFill>
+                <a:srgbClr val="000000"/>
+              </a:solidFill>
+              <a:highlight>
+                <a:srgbClr val="FFFFFF"/>
+              </a:highlight>
+              <a:latin typeface="Consolas" panose="020B0609020204030204" pitchFamily="49" charset="0"/>
+            </a:endParaRPr>
+          </a:p>
+          <a:p>
+            <a:pPr marL="0" indent="0">
+              <a:buNone/>
+            </a:pPr>
+            <a:r>
+              <a:rPr lang="en-US" dirty="0">
+                <a:solidFill>
+                  <a:srgbClr val="000000"/>
+                </a:solidFill>
+                <a:highlight>
+                  <a:srgbClr val="FFFFFF"/>
+                </a:highlight>
+                <a:latin typeface="Consolas" panose="020B0609020204030204" pitchFamily="49" charset="0"/>
+              </a:rPr>
+              <a:t>  name = </a:t>
+            </a:r>
+            <a:r>
+              <a:rPr lang="en-US" dirty="0">
+                <a:solidFill>
+                  <a:srgbClr val="A31515"/>
+                </a:solidFill>
+                <a:highlight>
+                  <a:srgbClr val="FFFFFF"/>
+                </a:highlight>
+                <a:latin typeface="Consolas" panose="020B0609020204030204" pitchFamily="49" charset="0"/>
+              </a:rPr>
+              <a:t>"Jerrel"</a:t>
+            </a:r>
+            <a:r>
+              <a:rPr lang="en-US" dirty="0">
+                <a:solidFill>
+                  <a:srgbClr val="000000"/>
+                </a:solidFill>
+                <a:highlight>
+                  <a:srgbClr val="FFFFFF"/>
+                </a:highlight>
+                <a:latin typeface="Consolas" panose="020B0609020204030204" pitchFamily="49" charset="0"/>
+              </a:rPr>
+              <a:t>;</a:t>
+            </a:r>
+          </a:p>
+          <a:p>
+            <a:endParaRPr lang="en-US" dirty="0">
+              <a:solidFill>
+                <a:srgbClr val="000000"/>
+              </a:solidFill>
+              <a:highlight>
+                <a:srgbClr val="FFFFFF"/>
+              </a:highlight>
+              <a:latin typeface="Consolas" panose="020B0609020204030204" pitchFamily="49" charset="0"/>
+            </a:endParaRPr>
+          </a:p>
+          <a:p>
+            <a:pPr marL="0" indent="0">
+              <a:buNone/>
+            </a:pPr>
+            <a:r>
+              <a:rPr lang="en-US" dirty="0">
+                <a:solidFill>
+                  <a:srgbClr val="000000"/>
+                </a:solidFill>
+                <a:highlight>
+                  <a:srgbClr val="FFFFFF"/>
+                </a:highlight>
+                <a:latin typeface="Consolas" panose="020B0609020204030204" pitchFamily="49" charset="0"/>
+              </a:rPr>
+              <a:t>  isSpeaking = </a:t>
+            </a:r>
+            <a:r>
+              <a:rPr lang="en-US" dirty="0">
+                <a:solidFill>
+                  <a:srgbClr val="0000FF"/>
+                </a:solidFill>
+                <a:highlight>
+                  <a:srgbClr val="FFFFFF"/>
+                </a:highlight>
+                <a:latin typeface="Consolas" panose="020B0609020204030204" pitchFamily="49" charset="0"/>
+              </a:rPr>
+              <a:t>false</a:t>
+            </a:r>
+            <a:r>
+              <a:rPr lang="en-US" dirty="0">
+                <a:solidFill>
+                  <a:srgbClr val="000000"/>
+                </a:solidFill>
+                <a:highlight>
+                  <a:srgbClr val="FFFFFF"/>
+                </a:highlight>
+                <a:latin typeface="Consolas" panose="020B0609020204030204" pitchFamily="49" charset="0"/>
+              </a:rPr>
+              <a:t>;</a:t>
+            </a:r>
+          </a:p>
+          <a:p>
+            <a:endParaRPr lang="en-US" dirty="0">
+              <a:solidFill>
+                <a:srgbClr val="000000"/>
+              </a:solidFill>
+              <a:highlight>
+                <a:srgbClr val="FFFFFF"/>
+              </a:highlight>
+              <a:latin typeface="Consolas" panose="020B0609020204030204" pitchFamily="49" charset="0"/>
+            </a:endParaRPr>
+          </a:p>
+          <a:p>
+            <a:pPr marL="0" indent="0">
+              <a:buNone/>
+            </a:pPr>
+            <a:r>
+              <a:rPr lang="en-US" dirty="0">
+                <a:solidFill>
+                  <a:srgbClr val="000000"/>
+                </a:solidFill>
+                <a:highlight>
+                  <a:srgbClr val="FFFFFF"/>
+                </a:highlight>
+                <a:latin typeface="Consolas" panose="020B0609020204030204" pitchFamily="49" charset="0"/>
+              </a:rPr>
+              <a:t>  arr = [1, 2, 3, 4, 5];</a:t>
+            </a:r>
+          </a:p>
+          <a:p>
+            <a:endParaRPr lang="en-US" dirty="0">
+              <a:solidFill>
+                <a:srgbClr val="000000"/>
+              </a:solidFill>
+              <a:highlight>
+                <a:srgbClr val="FFFFFF"/>
+              </a:highlight>
+              <a:latin typeface="Consolas" panose="020B0609020204030204" pitchFamily="49" charset="0"/>
+            </a:endParaRPr>
+          </a:p>
+          <a:p>
+            <a:pPr marL="0" indent="0">
+              <a:buNone/>
+            </a:pPr>
+            <a:r>
+              <a:rPr lang="en-US" dirty="0">
+                <a:solidFill>
+                  <a:srgbClr val="000000"/>
+                </a:solidFill>
+                <a:highlight>
+                  <a:srgbClr val="FFFFFF"/>
+                </a:highlight>
+                <a:latin typeface="Consolas" panose="020B0609020204030204" pitchFamily="49" charset="0"/>
+              </a:rPr>
+              <a:t>  add = </a:t>
+            </a:r>
+            <a:r>
+              <a:rPr lang="en-US" dirty="0">
+                <a:solidFill>
+                  <a:srgbClr val="0000FF"/>
+                </a:solidFill>
+                <a:highlight>
+                  <a:srgbClr val="FFFFFF"/>
+                </a:highlight>
+                <a:latin typeface="Consolas" panose="020B0609020204030204" pitchFamily="49" charset="0"/>
+              </a:rPr>
+              <a:t>function</a:t>
+            </a:r>
+            <a:r>
+              <a:rPr lang="en-US" dirty="0">
+                <a:solidFill>
+                  <a:srgbClr val="000000"/>
+                </a:solidFill>
+                <a:highlight>
+                  <a:srgbClr val="FFFFFF"/>
+                </a:highlight>
+                <a:latin typeface="Consolas" panose="020B0609020204030204" pitchFamily="49" charset="0"/>
+              </a:rPr>
+              <a:t>(num1, num2) {</a:t>
+            </a:r>
+          </a:p>
+          <a:p>
+            <a:pPr marL="0" indent="0">
+              <a:buNone/>
+            </a:pPr>
+            <a:r>
+              <a:rPr lang="en-US" dirty="0">
+                <a:solidFill>
+                  <a:srgbClr val="000000"/>
+                </a:solidFill>
+                <a:highlight>
+                  <a:srgbClr val="FFFFFF"/>
+                </a:highlight>
+                <a:latin typeface="Consolas" panose="020B0609020204030204" pitchFamily="49" charset="0"/>
+              </a:rPr>
+              <a:t>    </a:t>
+            </a:r>
+            <a:r>
+              <a:rPr lang="en-US" dirty="0">
+                <a:solidFill>
+                  <a:srgbClr val="0000FF"/>
+                </a:solidFill>
+                <a:highlight>
+                  <a:srgbClr val="FFFFFF"/>
+                </a:highlight>
+                <a:latin typeface="Consolas" panose="020B0609020204030204" pitchFamily="49" charset="0"/>
+              </a:rPr>
+              <a:t>return</a:t>
+            </a:r>
+            <a:r>
+              <a:rPr lang="en-US" dirty="0">
+                <a:solidFill>
+                  <a:srgbClr val="000000"/>
+                </a:solidFill>
+                <a:highlight>
+                  <a:srgbClr val="FFFFFF"/>
+                </a:highlight>
+                <a:latin typeface="Consolas" panose="020B0609020204030204" pitchFamily="49" charset="0"/>
+              </a:rPr>
+              <a:t> num1 + num2;</a:t>
+            </a:r>
+          </a:p>
+          <a:p>
+            <a:pPr marL="0" indent="0">
+              <a:buNone/>
+            </a:pPr>
+            <a:r>
+              <a:rPr lang="en-US" dirty="0">
+                <a:solidFill>
+                  <a:srgbClr val="000000"/>
+                </a:solidFill>
+                <a:highlight>
+                  <a:srgbClr val="FFFFFF"/>
+                </a:highlight>
+                <a:latin typeface="Consolas" panose="020B0609020204030204" pitchFamily="49" charset="0"/>
+              </a:rPr>
+              <a:t>  };</a:t>
+            </a:r>
+          </a:p>
+          <a:p>
+            <a:endParaRPr lang="en-US" dirty="0">
+              <a:solidFill>
+                <a:srgbClr val="000000"/>
+              </a:solidFill>
+              <a:highlight>
+                <a:srgbClr val="FFFFFF"/>
+              </a:highlight>
+              <a:latin typeface="Consolas" panose="020B0609020204030204" pitchFamily="49" charset="0"/>
+            </a:endParaRPr>
+          </a:p>
+          <a:p>
+            <a:pPr marL="0" indent="0">
+              <a:buNone/>
+            </a:pPr>
+            <a:r>
+              <a:rPr lang="en-US" dirty="0">
+                <a:solidFill>
+                  <a:srgbClr val="000000"/>
+                </a:solidFill>
+                <a:highlight>
+                  <a:srgbClr val="FFFFFF"/>
+                </a:highlight>
+                <a:latin typeface="Consolas" panose="020B0609020204030204" pitchFamily="49" charset="0"/>
+              </a:rPr>
+              <a:t>  race = </a:t>
+            </a:r>
+            <a:r>
+              <a:rPr lang="en-US" dirty="0">
+                <a:solidFill>
+                  <a:srgbClr val="0000FF"/>
+                </a:solidFill>
+                <a:highlight>
+                  <a:srgbClr val="FFFFFF"/>
+                </a:highlight>
+                <a:latin typeface="Consolas" panose="020B0609020204030204" pitchFamily="49" charset="0"/>
+              </a:rPr>
+              <a:t>function</a:t>
+            </a:r>
+            <a:r>
+              <a:rPr lang="en-US" dirty="0">
+                <a:solidFill>
+                  <a:srgbClr val="000000"/>
+                </a:solidFill>
+                <a:highlight>
+                  <a:srgbClr val="FFFFFF"/>
+                </a:highlight>
+                <a:latin typeface="Consolas" panose="020B0609020204030204" pitchFamily="49" charset="0"/>
+              </a:rPr>
+              <a:t>() {</a:t>
+            </a:r>
+          </a:p>
+          <a:p>
+            <a:pPr marL="0" indent="0">
+              <a:buNone/>
+            </a:pPr>
+            <a:r>
+              <a:rPr lang="en-US" dirty="0">
+                <a:solidFill>
+                  <a:srgbClr val="000000"/>
+                </a:solidFill>
+                <a:highlight>
+                  <a:srgbClr val="FFFFFF"/>
+                </a:highlight>
+                <a:latin typeface="Consolas" panose="020B0609020204030204" pitchFamily="49" charset="0"/>
+              </a:rPr>
+              <a:t>    </a:t>
+            </a:r>
+            <a:r>
+              <a:rPr lang="en-US" dirty="0">
+                <a:solidFill>
+                  <a:srgbClr val="0000FF"/>
+                </a:solidFill>
+                <a:highlight>
+                  <a:srgbClr val="FFFFFF"/>
+                </a:highlight>
+                <a:latin typeface="Consolas" panose="020B0609020204030204" pitchFamily="49" charset="0"/>
+              </a:rPr>
+              <a:t>var</a:t>
+            </a:r>
+            <a:r>
+              <a:rPr lang="en-US" dirty="0">
+                <a:solidFill>
+                  <a:srgbClr val="000000"/>
+                </a:solidFill>
+                <a:highlight>
+                  <a:srgbClr val="FFFFFF"/>
+                </a:highlight>
+                <a:latin typeface="Consolas" panose="020B0609020204030204" pitchFamily="49" charset="0"/>
+              </a:rPr>
+              <a:t> runners, winner;</a:t>
+            </a:r>
+          </a:p>
+          <a:p>
+            <a:pPr marL="0" indent="0">
+              <a:buNone/>
+            </a:pPr>
+            <a:r>
+              <a:rPr lang="en-US" dirty="0">
+                <a:solidFill>
+                  <a:srgbClr val="000000"/>
+                </a:solidFill>
+                <a:highlight>
+                  <a:srgbClr val="FFFFFF"/>
+                </a:highlight>
+                <a:latin typeface="Consolas" panose="020B0609020204030204" pitchFamily="49" charset="0"/>
+              </a:rPr>
+              <a:t>    winner = arguments[0], runners = 2 &lt;= arguments.length ? __slice.call(arguments, 1) : [];</a:t>
+            </a:r>
+          </a:p>
+          <a:p>
+            <a:pPr marL="0" indent="0">
+              <a:buNone/>
+            </a:pPr>
+            <a:r>
+              <a:rPr lang="en-US" dirty="0">
+                <a:solidFill>
+                  <a:srgbClr val="000000"/>
+                </a:solidFill>
+                <a:highlight>
+                  <a:srgbClr val="FFFFFF"/>
+                </a:highlight>
+                <a:latin typeface="Consolas" panose="020B0609020204030204" pitchFamily="49" charset="0"/>
+              </a:rPr>
+              <a:t>    </a:t>
+            </a:r>
+            <a:r>
+              <a:rPr lang="en-US" dirty="0">
+                <a:solidFill>
+                  <a:srgbClr val="0000FF"/>
+                </a:solidFill>
+                <a:highlight>
+                  <a:srgbClr val="FFFFFF"/>
+                </a:highlight>
+                <a:latin typeface="Consolas" panose="020B0609020204030204" pitchFamily="49" charset="0"/>
+              </a:rPr>
+              <a:t>return</a:t>
+            </a:r>
+            <a:r>
+              <a:rPr lang="en-US" dirty="0">
+                <a:solidFill>
+                  <a:srgbClr val="000000"/>
+                </a:solidFill>
+                <a:highlight>
+                  <a:srgbClr val="FFFFFF"/>
+                </a:highlight>
+                <a:latin typeface="Consolas" panose="020B0609020204030204" pitchFamily="49" charset="0"/>
+              </a:rPr>
+              <a:t> print(winner, runners);</a:t>
+            </a:r>
+          </a:p>
+          <a:p>
+            <a:pPr marL="0" indent="0">
+              <a:buNone/>
+            </a:pPr>
+            <a:r>
+              <a:rPr lang="en-US" dirty="0">
+                <a:solidFill>
+                  <a:srgbClr val="000000"/>
+                </a:solidFill>
+                <a:highlight>
+                  <a:srgbClr val="FFFFFF"/>
+                </a:highlight>
+                <a:latin typeface="Consolas" panose="020B0609020204030204" pitchFamily="49" charset="0"/>
+              </a:rPr>
+              <a:t>  };</a:t>
+            </a:r>
+          </a:p>
+          <a:p>
+            <a:endParaRPr lang="en-US" dirty="0">
+              <a:solidFill>
+                <a:srgbClr val="000000"/>
+              </a:solidFill>
+              <a:highlight>
+                <a:srgbClr val="FFFFFF"/>
+              </a:highlight>
+              <a:latin typeface="Consolas" panose="020B0609020204030204" pitchFamily="49" charset="0"/>
+            </a:endParaRPr>
+          </a:p>
+          <a:p>
+            <a:pPr marL="0" indent="0">
+              <a:buNone/>
+            </a:pPr>
+            <a:r>
+              <a:rPr lang="en-US" dirty="0">
+                <a:solidFill>
+                  <a:srgbClr val="000000"/>
+                </a:solidFill>
+                <a:highlight>
+                  <a:srgbClr val="FFFFFF"/>
+                </a:highlight>
+                <a:latin typeface="Consolas" panose="020B0609020204030204" pitchFamily="49" charset="0"/>
+              </a:rPr>
+              <a:t>}).call(</a:t>
+            </a:r>
+            <a:r>
+              <a:rPr lang="en-US" dirty="0">
+                <a:solidFill>
+                  <a:srgbClr val="0000FF"/>
+                </a:solidFill>
+                <a:highlight>
+                  <a:srgbClr val="FFFFFF"/>
+                </a:highlight>
+                <a:latin typeface="Consolas" panose="020B0609020204030204" pitchFamily="49" charset="0"/>
+              </a:rPr>
+              <a:t>this</a:t>
+            </a:r>
+            <a:r>
+              <a:rPr lang="en-US" dirty="0">
+                <a:solidFill>
+                  <a:srgbClr val="000000"/>
+                </a:solidFill>
+                <a:highlight>
+                  <a:srgbClr val="FFFFFF"/>
+                </a:highlight>
+                <a:latin typeface="Consolas" panose="020B0609020204030204" pitchFamily="49" charset="0"/>
+              </a:rPr>
+              <a:t>);</a:t>
+            </a:r>
+            <a:endParaRPr lang="en-US" dirty="0"/>
+          </a:p>
+        </p:txBody>
+      </p:sp>
+    </p:spTree>
+    <p:extLst>
+      <p:ext uri="{BB962C8B-B14F-4D97-AF65-F5344CB8AC3E}">
+        <p14:creationId xmlns:p14="http://schemas.microsoft.com/office/powerpoint/2010/main" val="851354024"/>
+      </p:ext>
+    </p:extLst>
+  </p:cSld>
+  <p:clrMapOvr>
+    <a:masterClrMapping/>
+  </p:clrMapOvr>
+</p:sld>
+</file>
+
+<file path=ppt/slides/slide5.xml><?xml version="1.0" encoding="utf-8"?>
+<p:sld xmlns:a="http://schemas.openxmlformats.org/drawingml/2006/main" xmlns:r="http://schemas.openxmlformats.org/officeDocument/2006/relationships" xmlns:p="http://schemas.openxmlformats.org/presentationml/2006/main">
+  <p:cSld>
+    <p:spTree>
+      <p:nvGrpSpPr>
+        <p:cNvPr id="1" name=""/>
+        <p:cNvGrpSpPr/>
+        <p:nvPr/>
+      </p:nvGrpSpPr>
+      <p:grpSpPr>
+        <a:xfrm>
+          <a:off x="0" y="0"/>
+          <a:ext cx="0" cy="0"/>
+          <a:chOff x="0" y="0"/>
+          <a:chExt cx="0" cy="0"/>
+        </a:xfrm>
+      </p:grpSpPr>
+      <p:sp>
+        <p:nvSpPr>
+          <p:cNvPr id="2" name="Title 1"/>
+          <p:cNvSpPr>
+            <a:spLocks noGrp="1"/>
+          </p:cNvSpPr>
+          <p:nvPr>
+            <p:ph type="title"/>
+          </p:nvPr>
+        </p:nvSpPr>
+        <p:spPr/>
+        <p:txBody>
+          <a:bodyPr/>
+          <a:lstStyle/>
+          <a:p>
+            <a:r>
+              <a:rPr lang="en-US" dirty="0" smtClean="0"/>
+              <a:t>Incorporating CoffeeScript</a:t>
+            </a:r>
+            <a:endParaRPr lang="en-US" dirty="0"/>
+          </a:p>
+        </p:txBody>
+      </p:sp>
+      <p:sp>
+        <p:nvSpPr>
+          <p:cNvPr id="3" name="Content Placeholder 2"/>
+          <p:cNvSpPr>
+            <a:spLocks noGrp="1"/>
+          </p:cNvSpPr>
+          <p:nvPr>
+            <p:ph idx="1"/>
+          </p:nvPr>
+        </p:nvSpPr>
+        <p:spPr/>
+        <p:txBody>
+          <a:bodyPr/>
+          <a:lstStyle/>
+          <a:p>
+            <a:r>
+              <a:rPr lang="en-US" dirty="0" smtClean="0"/>
+              <a:t>Can use within .NET web application</a:t>
+            </a:r>
+          </a:p>
+          <a:p>
+            <a:pPr lvl="1"/>
+            <a:r>
+              <a:rPr lang="en-US" dirty="0" smtClean="0"/>
+              <a:t>Visual Studio </a:t>
+            </a:r>
+            <a:r>
+              <a:rPr lang="en-US" dirty="0" err="1" smtClean="0"/>
+              <a:t>Extentsions</a:t>
+            </a:r>
+            <a:endParaRPr lang="en-US" dirty="0" smtClean="0"/>
+          </a:p>
+          <a:p>
+            <a:pPr lvl="2"/>
+            <a:r>
+              <a:rPr lang="en-US" b="1" dirty="0"/>
+              <a:t>Web Essentials </a:t>
+            </a:r>
+            <a:r>
+              <a:rPr lang="en-US" b="1" dirty="0" smtClean="0"/>
+              <a:t>2012</a:t>
+            </a:r>
+          </a:p>
+          <a:p>
+            <a:pPr lvl="2"/>
+            <a:r>
+              <a:rPr lang="en-US" b="1" dirty="0" smtClean="0"/>
+              <a:t>Mindscape Web Workbench</a:t>
+            </a:r>
+            <a:endParaRPr lang="en-US" b="1" dirty="0"/>
+          </a:p>
+          <a:p>
+            <a:pPr lvl="1"/>
+            <a:endParaRPr lang="en-US" dirty="0"/>
+          </a:p>
+        </p:txBody>
+      </p:sp>
+    </p:spTree>
+    <p:extLst>
+      <p:ext uri="{BB962C8B-B14F-4D97-AF65-F5344CB8AC3E}">
+        <p14:creationId xmlns:p14="http://schemas.microsoft.com/office/powerpoint/2010/main" val="4224827348"/>
+      </p:ext>
+    </p:extLst>
+  </p:cSld>
+  <p:clrMapOvr>
+    <a:masterClrMapping/>
+  </p:clrMapOvr>
+  <p:timing>
+    <p:tnLst>
+      <p:par>
+        <p:cTn id="1" dur="indefinite" restart="never" nodeType="tmRoot"/>
+      </p:par>
+    </p:tnLst>
+  </p:timing>
+</p:sld>
+</file>
+
+<file path=ppt/slides/slide6.xml><?xml version="1.0" encoding="utf-8"?>
+<p:sld xmlns:a="http://schemas.openxmlformats.org/drawingml/2006/main" xmlns:r="http://schemas.openxmlformats.org/officeDocument/2006/relationships" xmlns:p="http://schemas.openxmlformats.org/presentationml/2006/main">
+  <p:cSld>
+    <p:spTree>
+      <p:nvGrpSpPr>
+        <p:cNvPr id="1" name=""/>
+        <p:cNvGrpSpPr/>
+        <p:nvPr/>
+      </p:nvGrpSpPr>
+      <p:grpSpPr>
+        <a:xfrm>
+          <a:off x="0" y="0"/>
+          <a:ext cx="0" cy="0"/>
+          <a:chOff x="0" y="0"/>
+          <a:chExt cx="0" cy="0"/>
+        </a:xfrm>
+      </p:grpSpPr>
+      <p:sp>
+        <p:nvSpPr>
+          <p:cNvPr id="2" name="Title 1"/>
+          <p:cNvSpPr>
+            <a:spLocks noGrp="1"/>
+          </p:cNvSpPr>
+          <p:nvPr>
+            <p:ph type="ctrTitle"/>
+          </p:nvPr>
+        </p:nvSpPr>
+        <p:spPr>
+          <a:xfrm>
+            <a:off x="762000" y="2492375"/>
+            <a:ext cx="7772400" cy="1470025"/>
+          </a:xfrm>
+        </p:spPr>
+        <p:txBody>
+          <a:bodyPr>
+            <a:noAutofit/>
+          </a:bodyPr>
+          <a:lstStyle/>
+          <a:p>
+            <a:r>
+              <a:rPr lang="en-US" sz="9600" dirty="0" smtClean="0"/>
+              <a:t>CODE!</a:t>
+            </a:r>
+            <a:endParaRPr lang="en-US" sz="9600" dirty="0"/>
+          </a:p>
+        </p:txBody>
+      </p:sp>
+      <p:sp>
+        <p:nvSpPr>
+          <p:cNvPr id="3" name="Subtitle 2"/>
+          <p:cNvSpPr>
+            <a:spLocks noGrp="1"/>
+          </p:cNvSpPr>
+          <p:nvPr>
+            <p:ph type="subTitle" idx="1"/>
+          </p:nvPr>
+        </p:nvSpPr>
+        <p:spPr>
+          <a:xfrm>
+            <a:off x="1295400" y="3962400"/>
+            <a:ext cx="6477000" cy="1676400"/>
+          </a:xfrm>
+        </p:spPr>
+        <p:txBody>
+          <a:bodyPr/>
+          <a:lstStyle/>
+          <a:p>
+            <a:endParaRPr lang="en-US" dirty="0"/>
+          </a:p>
+        </p:txBody>
+      </p:sp>
+    </p:spTree>
+    <p:extLst>
+      <p:ext uri="{BB962C8B-B14F-4D97-AF65-F5344CB8AC3E}">
+        <p14:creationId xmlns:p14="http://schemas.microsoft.com/office/powerpoint/2010/main" val="3628466295"/>
+      </p:ext>
+    </p:extLst>
+  </p:cSld>
+  <p:clrMapOvr>
+    <a:masterClrMapping/>
+  </p:clrMapOvr>
+  <p:timing>
+    <p:tnLst>
+      <p:par>
+        <p:cTn id="1" dur="indefinite" restart="never" nodeType="tmRoot"/>
+      </p:par>
+    </p:tnLst>
+  </p:timing>
+</p:sld>
+</file>
+
+<file path=ppt/slides/slide7.xml><?xml version="1.0" encoding="utf-8"?>
+<p:sld xmlns:a="http://schemas.openxmlformats.org/drawingml/2006/main" xmlns:r="http://schemas.openxmlformats.org/officeDocument/2006/relationships" xmlns:p="http://schemas.openxmlformats.org/presentationml/2006/main">
+  <p:cSld>
+    <p:spTree>
+      <p:nvGrpSpPr>
+        <p:cNvPr id="1" name=""/>
+        <p:cNvGrpSpPr/>
+        <p:nvPr/>
+      </p:nvGrpSpPr>
+      <p:grpSpPr>
+        <a:xfrm>
+          <a:off x="0" y="0"/>
+          <a:ext cx="0" cy="0"/>
+          <a:chOff x="0" y="0"/>
+          <a:chExt cx="0" cy="0"/>
+        </a:xfrm>
+      </p:grpSpPr>
+      <p:sp>
+        <p:nvSpPr>
+          <p:cNvPr id="2" name="Title 1"/>
+          <p:cNvSpPr>
+            <a:spLocks noGrp="1"/>
+          </p:cNvSpPr>
+          <p:nvPr>
+            <p:ph type="title"/>
+          </p:nvPr>
+        </p:nvSpPr>
+        <p:spPr/>
+        <p:txBody>
+          <a:bodyPr/>
+          <a:lstStyle/>
+          <a:p>
+            <a:r>
+              <a:rPr lang="en-US" dirty="0" smtClean="0"/>
+              <a:t>Limitations of Integration</a:t>
+            </a:r>
+            <a:endParaRPr lang="en-US" dirty="0"/>
+          </a:p>
+        </p:txBody>
+      </p:sp>
+      <p:sp>
+        <p:nvSpPr>
+          <p:cNvPr id="3" name="Content Placeholder 2"/>
+          <p:cNvSpPr>
+            <a:spLocks noGrp="1"/>
+          </p:cNvSpPr>
+          <p:nvPr>
+            <p:ph idx="1"/>
+          </p:nvPr>
+        </p:nvSpPr>
+        <p:spPr/>
+        <p:txBody>
+          <a:bodyPr/>
+          <a:lstStyle/>
+          <a:p>
+            <a:r>
+              <a:rPr lang="en-US" dirty="0" smtClean="0"/>
+              <a:t>Cannot use in a Windows Phone application</a:t>
+            </a:r>
+          </a:p>
+          <a:p>
+            <a:pPr lvl="1"/>
+            <a:r>
+              <a:rPr lang="en-US" dirty="0" err="1" smtClean="0"/>
+              <a:t>TypeScript</a:t>
+            </a:r>
+            <a:r>
+              <a:rPr lang="en-US" dirty="0" smtClean="0"/>
+              <a:t> can be used instead</a:t>
+            </a:r>
+          </a:p>
+          <a:p>
+            <a:pPr lvl="1"/>
+            <a:endParaRPr lang="en-US" dirty="0"/>
+          </a:p>
+          <a:p>
+            <a:pPr lvl="1"/>
+            <a:endParaRPr lang="en-US" dirty="0"/>
+          </a:p>
+          <a:p>
+            <a:r>
+              <a:rPr lang="en-US" dirty="0" smtClean="0"/>
+              <a:t>Cannot use in Windows “Metro” HTML5 or JavaScript applications</a:t>
+            </a:r>
+          </a:p>
+        </p:txBody>
+      </p:sp>
+    </p:spTree>
+    <p:extLst>
+      <p:ext uri="{BB962C8B-B14F-4D97-AF65-F5344CB8AC3E}">
+        <p14:creationId xmlns:p14="http://schemas.microsoft.com/office/powerpoint/2010/main" val="184229469"/>
+      </p:ext>
+    </p:extLst>
+  </p:cSld>
+  <p:clrMapOvr>
+    <a:masterClrMapping/>
+  </p:clrMapOvr>
+</p:sld>
+</file>
+
+<file path=ppt/slides/slide8.xml><?xml version="1.0" encoding="utf-8"?>
+<p:sld xmlns:a="http://schemas.openxmlformats.org/drawingml/2006/main" xmlns:r="http://schemas.openxmlformats.org/officeDocument/2006/relationships" xmlns:p="http://schemas.openxmlformats.org/presentationml/2006/main">
+  <p:cSld>
+    <p:spTree>
+      <p:nvGrpSpPr>
+        <p:cNvPr id="1" name=""/>
+        <p:cNvGrpSpPr/>
+        <p:nvPr/>
+      </p:nvGrpSpPr>
+      <p:grpSpPr>
+        <a:xfrm>
+          <a:off x="0" y="0"/>
+          <a:ext cx="0" cy="0"/>
+          <a:chOff x="0" y="0"/>
+          <a:chExt cx="0" cy="0"/>
+        </a:xfrm>
+      </p:grpSpPr>
+      <p:sp>
+        <p:nvSpPr>
+          <p:cNvPr id="2" name="Title 1"/>
+          <p:cNvSpPr>
+            <a:spLocks noGrp="1"/>
+          </p:cNvSpPr>
+          <p:nvPr>
+            <p:ph type="ctrTitle"/>
+          </p:nvPr>
+        </p:nvSpPr>
+        <p:spPr/>
+        <p:txBody>
+          <a:bodyPr>
+            <a:normAutofit fontScale="90000"/>
+          </a:bodyPr>
+          <a:lstStyle/>
+          <a:p>
+            <a:r>
+              <a:rPr lang="en-US" sz="9600" dirty="0" smtClean="0"/>
+              <a:t>?</a:t>
+            </a:r>
+            <a:endParaRPr lang="en-US" sz="9600" dirty="0"/>
+          </a:p>
+        </p:txBody>
+      </p:sp>
+      <p:sp>
+        <p:nvSpPr>
+          <p:cNvPr id="3" name="Subtitle 2"/>
+          <p:cNvSpPr>
+            <a:spLocks noGrp="1"/>
+          </p:cNvSpPr>
+          <p:nvPr>
+            <p:ph type="subTitle" idx="1"/>
+          </p:nvPr>
+        </p:nvSpPr>
+        <p:spPr/>
+        <p:txBody>
+          <a:bodyPr/>
+          <a:lstStyle/>
+          <a:p>
+            <a:endParaRPr lang="en-US"/>
+          </a:p>
+        </p:txBody>
+      </p:sp>
+    </p:spTree>
+    <p:extLst>
+      <p:ext uri="{BB962C8B-B14F-4D97-AF65-F5344CB8AC3E}">
+        <p14:creationId xmlns:p14="http://schemas.microsoft.com/office/powerpoint/2010/main" val="187157294"/>
+      </p:ext>
+    </p:extLst>
+  </p:cSld>
+  <p:clrMapOvr>
+    <a:masterClrMapping/>
+  </p:clrMapOvr>
+</p:sld>
+</file>
+
+<file path=ppt/slides/slide9.xml><?xml version="1.0" encoding="utf-8"?>
 <p:sld xmlns:a="http://schemas.openxmlformats.org/drawingml/2006/main" xmlns:r="http://schemas.openxmlformats.org/officeDocument/2006/relationships" xmlns:p="http://schemas.openxmlformats.org/presentationml/2006/main">
   <p:cSld>
     <p:spTree>
@@ -3413,160 +5927,13 @@
   <p:clrMapOvr>
     <a:masterClrMapping/>
   </p:clrMapOvr>
-</p:sld>
-</file>
-
-<file path=ppt/slides/slide4.xml><?xml version="1.0" encoding="utf-8"?>
-<p:sld xmlns:a="http://schemas.openxmlformats.org/drawingml/2006/main" xmlns:r="http://schemas.openxmlformats.org/officeDocument/2006/relationships" xmlns:p="http://schemas.openxmlformats.org/presentationml/2006/main">
-  <p:cSld>
-    <p:spTree>
-      <p:nvGrpSpPr>
-        <p:cNvPr id="1" name=""/>
-        <p:cNvGrpSpPr/>
-        <p:nvPr/>
-      </p:nvGrpSpPr>
-      <p:grpSpPr>
-        <a:xfrm>
-          <a:off x="0" y="0"/>
-          <a:ext cx="0" cy="0"/>
-          <a:chOff x="0" y="0"/>
-          <a:chExt cx="0" cy="0"/>
-        </a:xfrm>
-      </p:grpSpPr>
-      <p:sp>
-        <p:nvSpPr>
-          <p:cNvPr id="2" name="Title 1"/>
-          <p:cNvSpPr>
-            <a:spLocks noGrp="1"/>
-          </p:cNvSpPr>
-          <p:nvPr>
-            <p:ph type="title"/>
-          </p:nvPr>
-        </p:nvSpPr>
-        <p:spPr/>
-        <p:txBody>
-          <a:bodyPr/>
-          <a:lstStyle/>
-          <a:p>
-            <a:r>
-              <a:rPr lang="en-US" dirty="0" smtClean="0"/>
-              <a:t>Links</a:t>
-            </a:r>
-            <a:endParaRPr lang="en-US" dirty="0"/>
-          </a:p>
-        </p:txBody>
-      </p:sp>
-      <p:sp>
-        <p:nvSpPr>
-          <p:cNvPr id="3" name="Content Placeholder 2"/>
-          <p:cNvSpPr>
-            <a:spLocks noGrp="1"/>
-          </p:cNvSpPr>
-          <p:nvPr>
-            <p:ph idx="1"/>
-          </p:nvPr>
-        </p:nvSpPr>
-        <p:spPr/>
-        <p:txBody>
-          <a:bodyPr/>
-          <a:lstStyle/>
-          <a:p>
-            <a:endParaRPr lang="en-US"/>
-          </a:p>
-        </p:txBody>
-      </p:sp>
-    </p:spTree>
-    <p:extLst>
-      <p:ext uri="{BB962C8B-B14F-4D97-AF65-F5344CB8AC3E}">
-        <p14:creationId xmlns:p14="http://schemas.microsoft.com/office/powerpoint/2010/main" val="737891219"/>
-      </p:ext>
-    </p:extLst>
-  </p:cSld>
-  <p:clrMapOvr>
-    <a:masterClrMapping/>
-  </p:clrMapOvr>
-</p:sld>
-</file>
-
-<file path=ppt/slides/slide5.xml><?xml version="1.0" encoding="utf-8"?>
-<p:sld xmlns:a="http://schemas.openxmlformats.org/drawingml/2006/main" xmlns:r="http://schemas.openxmlformats.org/officeDocument/2006/relationships" xmlns:p="http://schemas.openxmlformats.org/presentationml/2006/main">
-  <p:cSld>
-    <p:spTree>
-      <p:nvGrpSpPr>
-        <p:cNvPr id="1" name=""/>
-        <p:cNvGrpSpPr/>
-        <p:nvPr/>
-      </p:nvGrpSpPr>
-      <p:grpSpPr>
-        <a:xfrm>
-          <a:off x="0" y="0"/>
-          <a:ext cx="0" cy="0"/>
-          <a:chOff x="0" y="0"/>
-          <a:chExt cx="0" cy="0"/>
-        </a:xfrm>
-      </p:grpSpPr>
-      <p:sp>
-        <p:nvSpPr>
-          <p:cNvPr id="2" name="Title 1"/>
-          <p:cNvSpPr>
-            <a:spLocks noGrp="1"/>
-          </p:cNvSpPr>
-          <p:nvPr>
-            <p:ph type="title"/>
-          </p:nvPr>
-        </p:nvSpPr>
-        <p:spPr/>
-        <p:txBody>
-          <a:bodyPr/>
-          <a:lstStyle/>
-          <a:p>
-            <a:r>
-              <a:rPr lang="en-US" dirty="0" smtClean="0"/>
-              <a:t>Learn Something!</a:t>
-            </a:r>
-            <a:endParaRPr lang="en-US" dirty="0"/>
-          </a:p>
-        </p:txBody>
-      </p:sp>
-      <p:pic>
-        <p:nvPicPr>
-          <p:cNvPr id="4" name="Content Placeholder 3"/>
-          <p:cNvPicPr>
-            <a:picLocks noGrp="1" noChangeAspect="1"/>
-          </p:cNvPicPr>
-          <p:nvPr>
-            <p:ph idx="1"/>
-          </p:nvPr>
-        </p:nvPicPr>
-        <p:blipFill>
-          <a:blip r:embed="rId2">
-            <a:extLst>
-              <a:ext uri="{28A0092B-C50C-407E-A947-70E740481C1C}">
-                <a14:useLocalDpi xmlns:a14="http://schemas.microsoft.com/office/drawing/2010/main" val="0"/>
-              </a:ext>
-            </a:extLst>
-          </a:blip>
-          <a:stretch>
-            <a:fillRect/>
-          </a:stretch>
-        </p:blipFill>
-        <p:spPr>
-          <a:xfrm>
-            <a:off x="639976" y="1600200"/>
-            <a:ext cx="7864048" cy="4525963"/>
-          </a:xfrm>
-        </p:spPr>
-      </p:pic>
-    </p:spTree>
-    <p:extLst>
-      <p:ext uri="{BB962C8B-B14F-4D97-AF65-F5344CB8AC3E}">
-        <p14:creationId xmlns:p14="http://schemas.microsoft.com/office/powerpoint/2010/main" val="189790367"/>
-      </p:ext>
-    </p:extLst>
-  </p:cSld>
-  <p:clrMapOvr>
-    <a:masterClrMapping/>
-  </p:clrMapOvr>
+  <p:timing>
+    <p:tnLst>
+      <p:par>
+        <p:cTn id="1" dur="indefinite" restart="never" nodeType="tmRoot"/>
+      </p:par>
+    </p:tnLst>
+  </p:timing>
 </p:sld>
 </file>
 
@@ -3853,4 +6220,265 @@
   <a:objectDefaults/>
   <a:extraClrSchemeLst/>
 </a:theme>
+</file>
+
+<file path=ppt/theme/theme2.xml><?xml version="1.0" encoding="utf-8"?>
+<a:theme xmlns:a="http://schemas.openxmlformats.org/drawingml/2006/main" name="Office Theme">
+  <a:themeElements>
+    <a:clrScheme name="Office">
+      <a:dk1>
+        <a:sysClr val="windowText" lastClr="000000"/>
+      </a:dk1>
+      <a:lt1>
+        <a:sysClr val="window" lastClr="FFFFFF"/>
+      </a:lt1>
+      <a:dk2>
+        <a:srgbClr val="44546A"/>
+      </a:dk2>
+      <a:lt2>
+        <a:srgbClr val="E7E6E6"/>
+      </a:lt2>
+      <a:accent1>
+        <a:srgbClr val="5B9BD5"/>
+      </a:accent1>
+      <a:accent2>
+        <a:srgbClr val="ED7D31"/>
+      </a:accent2>
+      <a:accent3>
+        <a:srgbClr val="A5A5A5"/>
+      </a:accent3>
+      <a:accent4>
+        <a:srgbClr val="FFC000"/>
+      </a:accent4>
+      <a:accent5>
+        <a:srgbClr val="4472C4"/>
+      </a:accent5>
+      <a:accent6>
+        <a:srgbClr val="70AD47"/>
+      </a:accent6>
+      <a:hlink>
+        <a:srgbClr val="0563C1"/>
+      </a:hlink>
+      <a:folHlink>
+        <a:srgbClr val="954F72"/>
+      </a:folHlink>
+    </a:clrScheme>
+    <a:fontScheme name="Office">
+      <a:majorFont>
+        <a:latin typeface="Calibri Light" panose="020F0302020204030204"/>
+        <a:ea typeface=""/>
+        <a:cs typeface=""/>
+        <a:font script="Jpan" typeface="ＭＳ Ｐゴシック"/>
+        <a:font script="Hang" typeface="맑은 고딕"/>
+        <a:font script="Hans" typeface="宋体"/>
+        <a:font script="Hant" typeface="新細明體"/>
+        <a:font script="Arab" typeface="Times New Roman"/>
+        <a:font script="Hebr" typeface="Times New Roman"/>
+        <a:font script="Thai" typeface="Angsana New"/>
+        <a:font script="Ethi" typeface="Nyala"/>
+        <a:font script="Beng" typeface="Vrinda"/>
+        <a:font script="Gujr" typeface="Shruti"/>
+        <a:font script="Khmr" typeface="MoolBoran"/>
+        <a:font script="Knda" typeface="Tunga"/>
+        <a:font script="Guru" typeface="Raavi"/>
+        <a:font script="Cans" typeface="Euphemia"/>
+        <a:font script="Cher" typeface="Plantagenet Cherokee"/>
+        <a:font script="Yiii" typeface="Microsoft Yi Baiti"/>
+        <a:font script="Tibt" typeface="Microsoft Himalaya"/>
+        <a:font script="Thaa" typeface="MV Boli"/>
+        <a:font script="Deva" typeface="Mangal"/>
+        <a:font script="Telu" typeface="Gautami"/>
+        <a:font script="Taml" typeface="Latha"/>
+        <a:font script="Syrc" typeface="Estrangelo Edessa"/>
+        <a:font script="Orya" typeface="Kalinga"/>
+        <a:font script="Mlym" typeface="Kartika"/>
+        <a:font script="Laoo" typeface="DokChampa"/>
+        <a:font script="Sinh" typeface="Iskoola Pota"/>
+        <a:font script="Mong" typeface="Mongolian Baiti"/>
+        <a:font script="Viet" typeface="Times New Roman"/>
+        <a:font script="Uigh" typeface="Microsoft Uighur"/>
+        <a:font script="Geor" typeface="Sylfaen"/>
+      </a:majorFont>
+      <a:minorFont>
+        <a:latin typeface="Calibri" panose="020F0502020204030204"/>
+        <a:ea typeface=""/>
+        <a:cs typeface=""/>
+        <a:font script="Jpan" typeface="ＭＳ Ｐゴシック"/>
+        <a:font script="Hang" typeface="맑은 고딕"/>
+        <a:font script="Hans" typeface="宋体"/>
+        <a:font script="Hant" typeface="新細明體"/>
+        <a:font script="Arab" typeface="Arial"/>
+        <a:font script="Hebr" typeface="Arial"/>
+        <a:font script="Thai" typeface="Cordia New"/>
+        <a:font script="Ethi" typeface="Nyala"/>
+        <a:font script="Beng" typeface="Vrinda"/>
+        <a:font script="Gujr" typeface="Shruti"/>
+        <a:font script="Khmr" typeface="DaunPenh"/>
+        <a:font script="Knda" typeface="Tunga"/>
+        <a:font script="Guru" typeface="Raavi"/>
+        <a:font script="Cans" typeface="Euphemia"/>
+        <a:font script="Cher" typeface="Plantagenet Cherokee"/>
+        <a:font script="Yiii" typeface="Microsoft Yi Baiti"/>
+        <a:font script="Tibt" typeface="Microsoft Himalaya"/>
+        <a:font script="Thaa" typeface="MV Boli"/>
+        <a:font script="Deva" typeface="Mangal"/>
+        <a:font script="Telu" typeface="Gautami"/>
+        <a:font script="Taml" typeface="Latha"/>
+        <a:font script="Syrc" typeface="Estrangelo Edessa"/>
+        <a:font script="Orya" typeface="Kalinga"/>
+        <a:font script="Mlym" typeface="Kartika"/>
+        <a:font script="Laoo" typeface="DokChampa"/>
+        <a:font script="Sinh" typeface="Iskoola Pota"/>
+        <a:font script="Mong" typeface="Mongolian Baiti"/>
+        <a:font script="Viet" typeface="Arial"/>
+        <a:font script="Uigh" typeface="Microsoft Uighur"/>
+        <a:font script="Geor" typeface="Sylfaen"/>
+      </a:minorFont>
+    </a:fontScheme>
+    <a:fmtScheme name="Office">
+      <a:fillStyleLst>
+        <a:solidFill>
+          <a:schemeClr val="phClr"/>
+        </a:solidFill>
+        <a:gradFill rotWithShape="1">
+          <a:gsLst>
+            <a:gs pos="0">
+              <a:schemeClr val="phClr">
+                <a:lumMod val="110000"/>
+                <a:satMod val="105000"/>
+                <a:tint val="67000"/>
+              </a:schemeClr>
+            </a:gs>
+            <a:gs pos="50000">
+              <a:schemeClr val="phClr">
+                <a:lumMod val="105000"/>
+                <a:satMod val="103000"/>
+                <a:tint val="73000"/>
+              </a:schemeClr>
+            </a:gs>
+            <a:gs pos="100000">
+              <a:schemeClr val="phClr">
+                <a:lumMod val="105000"/>
+                <a:satMod val="109000"/>
+                <a:tint val="81000"/>
+              </a:schemeClr>
+            </a:gs>
+          </a:gsLst>
+          <a:lin ang="5400000" scaled="0"/>
+        </a:gradFill>
+        <a:gradFill rotWithShape="1">
+          <a:gsLst>
+            <a:gs pos="0">
+              <a:schemeClr val="phClr">
+                <a:satMod val="103000"/>
+                <a:lumMod val="102000"/>
+                <a:tint val="94000"/>
+              </a:schemeClr>
+            </a:gs>
+            <a:gs pos="50000">
+              <a:schemeClr val="phClr">
+                <a:satMod val="110000"/>
+                <a:lumMod val="100000"/>
+                <a:shade val="100000"/>
+              </a:schemeClr>
+            </a:gs>
+            <a:gs pos="100000">
+              <a:schemeClr val="phClr">
+                <a:lumMod val="99000"/>
+                <a:satMod val="120000"/>
+                <a:shade val="78000"/>
+              </a:schemeClr>
+            </a:gs>
+          </a:gsLst>
+          <a:lin ang="5400000" scaled="0"/>
+        </a:gradFill>
+      </a:fillStyleLst>
+      <a:lnStyleLst>
+        <a:ln w="6350" cap="flat" cmpd="sng" algn="ctr">
+          <a:solidFill>
+            <a:schemeClr val="phClr"/>
+          </a:solidFill>
+          <a:prstDash val="solid"/>
+          <a:miter lim="800000"/>
+        </a:ln>
+        <a:ln w="12700" cap="flat" cmpd="sng" algn="ctr">
+          <a:solidFill>
+            <a:schemeClr val="phClr"/>
+          </a:solidFill>
+          <a:prstDash val="solid"/>
+          <a:miter lim="800000"/>
+        </a:ln>
+        <a:ln w="19050" cap="flat" cmpd="sng" algn="ctr">
+          <a:solidFill>
+            <a:schemeClr val="phClr"/>
+          </a:solidFill>
+          <a:prstDash val="solid"/>
+          <a:miter lim="800000"/>
+        </a:ln>
+      </a:lnStyleLst>
+      <a:effectStyleLst>
+        <a:effectStyle>
+          <a:effectLst/>
+        </a:effectStyle>
+        <a:effectStyle>
+          <a:effectLst/>
+        </a:effectStyle>
+        <a:effectStyle>
+          <a:effectLst>
+            <a:outerShdw blurRad="57150" dist="19050" dir="5400000" algn="ctr" rotWithShape="0">
+              <a:srgbClr val="000000">
+                <a:alpha val="63000"/>
+              </a:srgbClr>
+            </a:outerShdw>
+          </a:effectLst>
+        </a:effectStyle>
+      </a:effectStyleLst>
+      <a:bgFillStyleLst>
+        <a:solidFill>
+          <a:schemeClr val="phClr"/>
+        </a:solidFill>
+        <a:solidFill>
+          <a:schemeClr val="phClr">
+            <a:tint val="95000"/>
+            <a:satMod val="170000"/>
+          </a:schemeClr>
+        </a:solidFill>
+        <a:gradFill rotWithShape="1">
+          <a:gsLst>
+            <a:gs pos="0">
+              <a:schemeClr val="phClr">
+                <a:tint val="93000"/>
+                <a:satMod val="150000"/>
+                <a:shade val="98000"/>
+                <a:lumMod val="102000"/>
+              </a:schemeClr>
+            </a:gs>
+            <a:gs pos="50000">
+              <a:schemeClr val="phClr">
+                <a:tint val="98000"/>
+                <a:satMod val="130000"/>
+                <a:shade val="90000"/>
+                <a:lumMod val="103000"/>
+              </a:schemeClr>
+            </a:gs>
+            <a:gs pos="100000">
+              <a:schemeClr val="phClr">
+                <a:shade val="63000"/>
+                <a:satMod val="120000"/>
+              </a:schemeClr>
+            </a:gs>
+          </a:gsLst>
+          <a:lin ang="5400000" scaled="0"/>
+        </a:gradFill>
+      </a:bgFillStyleLst>
+    </a:fmtScheme>
+  </a:themeElements>
+  <a:objectDefaults/>
+  <a:extraClrSchemeLst/>
+  <a:extLst>
+    <a:ext uri="{05A4C25C-085E-4340-85A3-A5531E510DB2}">
+      <thm15:themeFamily xmlns:thm15="http://schemas.microsoft.com/office/thememl/2012/main" name="Office Theme" id="{62F939B6-93AF-4DB8-9C6B-D6C7DFDC589F}" vid="{4A3C46E8-61CC-4603-A589-7422A47A8E4A}"/>
+    </a:ext>
+  </a:extLst>
+</a:theme>
 </file>
--- a/HavingYourCoffee/Having_Your_Coffee.pptx
+++ b/HavingYourCoffee/Having_Your_Coffee.pptx
@@ -769,6 +769,90 @@
 </p:notes>
 </file>
 
+<file path=ppt/notesSlides/notesSlide3.xml><?xml version="1.0" encoding="utf-8"?>
+<p:notes xmlns:a="http://schemas.openxmlformats.org/drawingml/2006/main" xmlns:r="http://schemas.openxmlformats.org/officeDocument/2006/relationships" xmlns:p="http://schemas.openxmlformats.org/presentationml/2006/main">
+  <p:cSld>
+    <p:spTree>
+      <p:nvGrpSpPr>
+        <p:cNvPr id="1" name=""/>
+        <p:cNvGrpSpPr/>
+        <p:nvPr/>
+      </p:nvGrpSpPr>
+      <p:grpSpPr>
+        <a:xfrm>
+          <a:off x="0" y="0"/>
+          <a:ext cx="0" cy="0"/>
+          <a:chOff x="0" y="0"/>
+          <a:chExt cx="0" cy="0"/>
+        </a:xfrm>
+      </p:grpSpPr>
+      <p:sp>
+        <p:nvSpPr>
+          <p:cNvPr id="2" name="Slide Image Placeholder 1"/>
+          <p:cNvSpPr>
+            <a:spLocks noGrp="1" noRot="1" noChangeAspect="1"/>
+          </p:cNvSpPr>
+          <p:nvPr>
+            <p:ph type="sldImg"/>
+          </p:nvPr>
+        </p:nvSpPr>
+        <p:spPr/>
+      </p:sp>
+      <p:sp>
+        <p:nvSpPr>
+          <p:cNvPr id="3" name="Notes Placeholder 2"/>
+          <p:cNvSpPr>
+            <a:spLocks noGrp="1"/>
+          </p:cNvSpPr>
+          <p:nvPr>
+            <p:ph type="body" idx="1"/>
+          </p:nvPr>
+        </p:nvSpPr>
+        <p:spPr/>
+        <p:txBody>
+          <a:bodyPr/>
+          <a:lstStyle/>
+          <a:p>
+            <a:endParaRPr lang="en-US"/>
+          </a:p>
+        </p:txBody>
+      </p:sp>
+      <p:sp>
+        <p:nvSpPr>
+          <p:cNvPr id="4" name="Slide Number Placeholder 3"/>
+          <p:cNvSpPr>
+            <a:spLocks noGrp="1"/>
+          </p:cNvSpPr>
+          <p:nvPr>
+            <p:ph type="sldNum" sz="quarter" idx="10"/>
+          </p:nvPr>
+        </p:nvSpPr>
+        <p:spPr/>
+        <p:txBody>
+          <a:bodyPr/>
+          <a:lstStyle/>
+          <a:p>
+            <a:fld id="{32B1E7F8-77C5-4D32-B0D8-AF9F13EB2910}" type="slidenum">
+              <a:rPr lang="en-US" smtClean="0"/>
+              <a:t>9</a:t>
+            </a:fld>
+            <a:endParaRPr lang="en-US"/>
+          </a:p>
+        </p:txBody>
+      </p:sp>
+    </p:spTree>
+    <p:extLst>
+      <p:ext uri="{BB962C8B-B14F-4D97-AF65-F5344CB8AC3E}">
+        <p14:creationId xmlns:p14="http://schemas.microsoft.com/office/powerpoint/2010/main" val="29338929"/>
+      </p:ext>
+    </p:extLst>
+  </p:cSld>
+  <p:clrMapOvr>
+    <a:masterClrMapping/>
+  </p:clrMapOvr>
+</p:notes>
+</file>
+
 <file path=ppt/slideLayouts/slideLayout1.xml><?xml version="1.0" encoding="utf-8"?>
 <p:sldLayout xmlns:a="http://schemas.openxmlformats.org/drawingml/2006/main" xmlns:r="http://schemas.openxmlformats.org/officeDocument/2006/relationships" xmlns:p="http://schemas.openxmlformats.org/presentationml/2006/main" type="title" preserve="1">
   <p:cSld name="Title Slide">
@@ -950,7 +1034,7 @@
           <a:p>
             <a:fld id="{7B7338AB-7A8F-4BF5-96DA-F3029945E2E3}" type="datetimeFigureOut">
               <a:rPr lang="en-US" smtClean="0"/>
-              <a:t>5/31/2013</a:t>
+              <a:t>6/1/2013</a:t>
             </a:fld>
             <a:endParaRPr lang="en-US"/>
           </a:p>
@@ -1120,7 +1204,7 @@
           <a:p>
             <a:fld id="{7B7338AB-7A8F-4BF5-96DA-F3029945E2E3}" type="datetimeFigureOut">
               <a:rPr lang="en-US" smtClean="0"/>
-              <a:t>5/31/2013</a:t>
+              <a:t>6/1/2013</a:t>
             </a:fld>
             <a:endParaRPr lang="en-US"/>
           </a:p>
@@ -1300,7 +1384,7 @@
           <a:p>
             <a:fld id="{7B7338AB-7A8F-4BF5-96DA-F3029945E2E3}" type="datetimeFigureOut">
               <a:rPr lang="en-US" smtClean="0"/>
-              <a:t>5/31/2013</a:t>
+              <a:t>6/1/2013</a:t>
             </a:fld>
             <a:endParaRPr lang="en-US"/>
           </a:p>
@@ -1470,7 +1554,7 @@
           <a:p>
             <a:fld id="{7B7338AB-7A8F-4BF5-96DA-F3029945E2E3}" type="datetimeFigureOut">
               <a:rPr lang="en-US" smtClean="0"/>
-              <a:t>5/31/2013</a:t>
+              <a:t>6/1/2013</a:t>
             </a:fld>
             <a:endParaRPr lang="en-US"/>
           </a:p>
@@ -1716,7 +1800,7 @@
           <a:p>
             <a:fld id="{7B7338AB-7A8F-4BF5-96DA-F3029945E2E3}" type="datetimeFigureOut">
               <a:rPr lang="en-US" smtClean="0"/>
-              <a:t>5/31/2013</a:t>
+              <a:t>6/1/2013</a:t>
             </a:fld>
             <a:endParaRPr lang="en-US"/>
           </a:p>
@@ -2004,7 +2088,7 @@
           <a:p>
             <a:fld id="{7B7338AB-7A8F-4BF5-96DA-F3029945E2E3}" type="datetimeFigureOut">
               <a:rPr lang="en-US" smtClean="0"/>
-              <a:t>5/31/2013</a:t>
+              <a:t>6/1/2013</a:t>
             </a:fld>
             <a:endParaRPr lang="en-US"/>
           </a:p>
@@ -2426,7 +2510,7 @@
           <a:p>
             <a:fld id="{7B7338AB-7A8F-4BF5-96DA-F3029945E2E3}" type="datetimeFigureOut">
               <a:rPr lang="en-US" smtClean="0"/>
-              <a:t>5/31/2013</a:t>
+              <a:t>6/1/2013</a:t>
             </a:fld>
             <a:endParaRPr lang="en-US"/>
           </a:p>
@@ -2544,7 +2628,7 @@
           <a:p>
             <a:fld id="{7B7338AB-7A8F-4BF5-96DA-F3029945E2E3}" type="datetimeFigureOut">
               <a:rPr lang="en-US" smtClean="0"/>
-              <a:t>5/31/2013</a:t>
+              <a:t>6/1/2013</a:t>
             </a:fld>
             <a:endParaRPr lang="en-US"/>
           </a:p>
@@ -2639,7 +2723,7 @@
           <a:p>
             <a:fld id="{7B7338AB-7A8F-4BF5-96DA-F3029945E2E3}" type="datetimeFigureOut">
               <a:rPr lang="en-US" smtClean="0"/>
-              <a:t>5/31/2013</a:t>
+              <a:t>6/1/2013</a:t>
             </a:fld>
             <a:endParaRPr lang="en-US"/>
           </a:p>
@@ -2916,7 +3000,7 @@
           <a:p>
             <a:fld id="{7B7338AB-7A8F-4BF5-96DA-F3029945E2E3}" type="datetimeFigureOut">
               <a:rPr lang="en-US" smtClean="0"/>
-              <a:t>5/31/2013</a:t>
+              <a:t>6/1/2013</a:t>
             </a:fld>
             <a:endParaRPr lang="en-US"/>
           </a:p>
@@ -3169,7 +3253,7 @@
           <a:p>
             <a:fld id="{7B7338AB-7A8F-4BF5-96DA-F3029945E2E3}" type="datetimeFigureOut">
               <a:rPr lang="en-US" smtClean="0"/>
-              <a:t>5/31/2013</a:t>
+              <a:t>6/1/2013</a:t>
             </a:fld>
             <a:endParaRPr lang="en-US"/>
           </a:p>
@@ -3382,7 +3466,7 @@
           <a:p>
             <a:fld id="{7B7338AB-7A8F-4BF5-96DA-F3029945E2E3}" type="datetimeFigureOut">
               <a:rPr lang="en-US" smtClean="0"/>
-              <a:t>5/31/2013</a:t>
+              <a:t>6/1/2013</a:t>
             </a:fld>
             <a:endParaRPr lang="en-US"/>
           </a:p>
@@ -3887,6 +3971,13 @@
   <p:clrMapOvr>
     <a:masterClrMapping/>
   </p:clrMapOvr>
+  <p:timing>
+    <p:tnLst>
+      <p:par>
+        <p:cTn id="1" dur="indefinite" restart="never" nodeType="tmRoot"/>
+      </p:par>
+    </p:tnLst>
+  </p:timing>
 </p:sld>
 </file>
 
@@ -4026,6 +4117,9 @@
   <p:clrMapOvr>
     <a:masterClrMapping/>
   </p:clrMapOvr>
+  <p:transition spd="slow">
+    <p:push dir="u"/>
+  </p:transition>
   <p:timing>
     <p:tnLst>
       <p:par>
@@ -4070,11 +4164,7 @@
           <a:p>
             <a:r>
               <a:rPr lang="en-US" dirty="0" smtClean="0"/>
-              <a:t>Thank you </a:t>
-            </a:r>
-            <a:r>
-              <a:rPr lang="en-US" smtClean="0"/>
-              <a:t>for attending!</a:t>
+              <a:t>Thank you for attending!</a:t>
             </a:r>
             <a:endParaRPr lang="en-US" dirty="0"/>
           </a:p>
@@ -4119,6 +4209,9 @@
   <p:clrMapOvr>
     <a:masterClrMapping/>
   </p:clrMapOvr>
+  <p:transition spd="slow">
+    <p:push dir="u"/>
+  </p:transition>
   <p:timing>
     <p:tnLst>
       <p:par>
@@ -4196,11 +4289,7 @@
             </a:r>
             <a:r>
               <a:rPr lang="en-US" i="1" dirty="0" smtClean="0"/>
-              <a:t>Pro Agile .NET Development with </a:t>
-            </a:r>
-            <a:r>
-              <a:rPr lang="en-US" i="1" dirty="0" smtClean="0"/>
-              <a:t>Scrum</a:t>
+              <a:t>Pro Agile .NET Development with Scrum</a:t>
             </a:r>
           </a:p>
           <a:p>
@@ -4208,7 +4297,6 @@
               <a:rPr lang="en-US" dirty="0" smtClean="0"/>
               <a:t>.NET Developer</a:t>
             </a:r>
-            <a:endParaRPr lang="en-US" dirty="0" smtClean="0"/>
           </a:p>
           <a:p>
             <a:r>
@@ -4241,6 +4329,16 @@
   <p:clrMapOvr>
     <a:masterClrMapping/>
   </p:clrMapOvr>
+  <p:transition spd="slow">
+    <p:push dir="u"/>
+  </p:transition>
+  <p:timing>
+    <p:tnLst>
+      <p:par>
+        <p:cTn id="1" dur="indefinite" restart="never" nodeType="tmRoot"/>
+      </p:par>
+    </p:tnLst>
+  </p:timing>
 </p:sld>
 </file>
 
@@ -4351,6 +4449,410 @@
   <p:clrMapOvr>
     <a:masterClrMapping/>
   </p:clrMapOvr>
+  <p:transition spd="slow">
+    <p:push dir="u"/>
+  </p:transition>
+  <p:timing>
+    <p:tnLst>
+      <p:par>
+        <p:cTn id="1" dur="indefinite" restart="never" nodeType="tmRoot">
+          <p:childTnLst>
+            <p:seq concurrent="1" nextAc="seek">
+              <p:cTn id="2" dur="indefinite" nodeType="mainSeq">
+                <p:childTnLst>
+                  <p:par>
+                    <p:cTn id="3" fill="hold">
+                      <p:stCondLst>
+                        <p:cond delay="indefinite"/>
+                      </p:stCondLst>
+                      <p:childTnLst>
+                        <p:par>
+                          <p:cTn id="4" fill="hold">
+                            <p:stCondLst>
+                              <p:cond delay="0"/>
+                            </p:stCondLst>
+                            <p:childTnLst>
+                              <p:par>
+                                <p:cTn id="5" presetID="1" presetClass="entr" presetSubtype="0" fill="hold" nodeType="clickEffect">
+                                  <p:stCondLst>
+                                    <p:cond delay="0"/>
+                                  </p:stCondLst>
+                                  <p:childTnLst>
+                                    <p:set>
+                                      <p:cBhvr>
+                                        <p:cTn id="6" dur="1" fill="hold">
+                                          <p:stCondLst>
+                                            <p:cond delay="0"/>
+                                          </p:stCondLst>
+                                        </p:cTn>
+                                        <p:tgtEl>
+                                          <p:spTgt spid="3">
+                                            <p:txEl>
+                                              <p:pRg st="0" end="0"/>
+                                            </p:txEl>
+                                          </p:spTgt>
+                                        </p:tgtEl>
+                                        <p:attrNameLst>
+                                          <p:attrName>style.visibility</p:attrName>
+                                        </p:attrNameLst>
+                                      </p:cBhvr>
+                                      <p:to>
+                                        <p:strVal val="visible"/>
+                                      </p:to>
+                                    </p:set>
+                                  </p:childTnLst>
+                                </p:cTn>
+                              </p:par>
+                              <p:par>
+                                <p:cTn id="7" presetID="1" presetClass="entr" presetSubtype="0" fill="hold" nodeType="withEffect">
+                                  <p:stCondLst>
+                                    <p:cond delay="0"/>
+                                  </p:stCondLst>
+                                  <p:childTnLst>
+                                    <p:set>
+                                      <p:cBhvr>
+                                        <p:cTn id="8" dur="1" fill="hold">
+                                          <p:stCondLst>
+                                            <p:cond delay="0"/>
+                                          </p:stCondLst>
+                                        </p:cTn>
+                                        <p:tgtEl>
+                                          <p:spTgt spid="3">
+                                            <p:txEl>
+                                              <p:pRg st="1" end="1"/>
+                                            </p:txEl>
+                                          </p:spTgt>
+                                        </p:tgtEl>
+                                        <p:attrNameLst>
+                                          <p:attrName>style.visibility</p:attrName>
+                                        </p:attrNameLst>
+                                      </p:cBhvr>
+                                      <p:to>
+                                        <p:strVal val="visible"/>
+                                      </p:to>
+                                    </p:set>
+                                  </p:childTnLst>
+                                </p:cTn>
+                              </p:par>
+                            </p:childTnLst>
+                          </p:cTn>
+                        </p:par>
+                      </p:childTnLst>
+                    </p:cTn>
+                  </p:par>
+                  <p:par>
+                    <p:cTn id="9" fill="hold">
+                      <p:stCondLst>
+                        <p:cond delay="indefinite"/>
+                      </p:stCondLst>
+                      <p:childTnLst>
+                        <p:par>
+                          <p:cTn id="10" fill="hold">
+                            <p:stCondLst>
+                              <p:cond delay="0"/>
+                            </p:stCondLst>
+                            <p:childTnLst>
+                              <p:par>
+                                <p:cTn id="11" presetID="2" presetClass="entr" presetSubtype="4" fill="hold" nodeType="clickEffect">
+                                  <p:stCondLst>
+                                    <p:cond delay="0"/>
+                                  </p:stCondLst>
+                                  <p:childTnLst>
+                                    <p:set>
+                                      <p:cBhvr>
+                                        <p:cTn id="12" dur="1" fill="hold">
+                                          <p:stCondLst>
+                                            <p:cond delay="0"/>
+                                          </p:stCondLst>
+                                        </p:cTn>
+                                        <p:tgtEl>
+                                          <p:spTgt spid="3">
+                                            <p:txEl>
+                                              <p:pRg st="2" end="2"/>
+                                            </p:txEl>
+                                          </p:spTgt>
+                                        </p:tgtEl>
+                                        <p:attrNameLst>
+                                          <p:attrName>style.visibility</p:attrName>
+                                        </p:attrNameLst>
+                                      </p:cBhvr>
+                                      <p:to>
+                                        <p:strVal val="visible"/>
+                                      </p:to>
+                                    </p:set>
+                                    <p:anim calcmode="lin" valueType="num">
+                                      <p:cBhvr additive="base">
+                                        <p:cTn id="13" dur="500" fill="hold"/>
+                                        <p:tgtEl>
+                                          <p:spTgt spid="3">
+                                            <p:txEl>
+                                              <p:pRg st="2" end="2"/>
+                                            </p:txEl>
+                                          </p:spTgt>
+                                        </p:tgtEl>
+                                        <p:attrNameLst>
+                                          <p:attrName>ppt_x</p:attrName>
+                                        </p:attrNameLst>
+                                      </p:cBhvr>
+                                      <p:tavLst>
+                                        <p:tav tm="0">
+                                          <p:val>
+                                            <p:strVal val="#ppt_x"/>
+                                          </p:val>
+                                        </p:tav>
+                                        <p:tav tm="100000">
+                                          <p:val>
+                                            <p:strVal val="#ppt_x"/>
+                                          </p:val>
+                                        </p:tav>
+                                      </p:tavLst>
+                                    </p:anim>
+                                    <p:anim calcmode="lin" valueType="num">
+                                      <p:cBhvr additive="base">
+                                        <p:cTn id="14" dur="500" fill="hold"/>
+                                        <p:tgtEl>
+                                          <p:spTgt spid="3">
+                                            <p:txEl>
+                                              <p:pRg st="2" end="2"/>
+                                            </p:txEl>
+                                          </p:spTgt>
+                                        </p:tgtEl>
+                                        <p:attrNameLst>
+                                          <p:attrName>ppt_y</p:attrName>
+                                        </p:attrNameLst>
+                                      </p:cBhvr>
+                                      <p:tavLst>
+                                        <p:tav tm="0">
+                                          <p:val>
+                                            <p:strVal val="1+#ppt_h/2"/>
+                                          </p:val>
+                                        </p:tav>
+                                        <p:tav tm="100000">
+                                          <p:val>
+                                            <p:strVal val="#ppt_y"/>
+                                          </p:val>
+                                        </p:tav>
+                                      </p:tavLst>
+                                    </p:anim>
+                                  </p:childTnLst>
+                                </p:cTn>
+                              </p:par>
+                              <p:par>
+                                <p:cTn id="15" presetID="2" presetClass="entr" presetSubtype="4" fill="hold" nodeType="withEffect">
+                                  <p:stCondLst>
+                                    <p:cond delay="0"/>
+                                  </p:stCondLst>
+                                  <p:childTnLst>
+                                    <p:set>
+                                      <p:cBhvr>
+                                        <p:cTn id="16" dur="1" fill="hold">
+                                          <p:stCondLst>
+                                            <p:cond delay="0"/>
+                                          </p:stCondLst>
+                                        </p:cTn>
+                                        <p:tgtEl>
+                                          <p:spTgt spid="3">
+                                            <p:txEl>
+                                              <p:pRg st="3" end="3"/>
+                                            </p:txEl>
+                                          </p:spTgt>
+                                        </p:tgtEl>
+                                        <p:attrNameLst>
+                                          <p:attrName>style.visibility</p:attrName>
+                                        </p:attrNameLst>
+                                      </p:cBhvr>
+                                      <p:to>
+                                        <p:strVal val="visible"/>
+                                      </p:to>
+                                    </p:set>
+                                    <p:anim calcmode="lin" valueType="num">
+                                      <p:cBhvr additive="base">
+                                        <p:cTn id="17" dur="500" fill="hold"/>
+                                        <p:tgtEl>
+                                          <p:spTgt spid="3">
+                                            <p:txEl>
+                                              <p:pRg st="3" end="3"/>
+                                            </p:txEl>
+                                          </p:spTgt>
+                                        </p:tgtEl>
+                                        <p:attrNameLst>
+                                          <p:attrName>ppt_x</p:attrName>
+                                        </p:attrNameLst>
+                                      </p:cBhvr>
+                                      <p:tavLst>
+                                        <p:tav tm="0">
+                                          <p:val>
+                                            <p:strVal val="#ppt_x"/>
+                                          </p:val>
+                                        </p:tav>
+                                        <p:tav tm="100000">
+                                          <p:val>
+                                            <p:strVal val="#ppt_x"/>
+                                          </p:val>
+                                        </p:tav>
+                                      </p:tavLst>
+                                    </p:anim>
+                                    <p:anim calcmode="lin" valueType="num">
+                                      <p:cBhvr additive="base">
+                                        <p:cTn id="18" dur="500" fill="hold"/>
+                                        <p:tgtEl>
+                                          <p:spTgt spid="3">
+                                            <p:txEl>
+                                              <p:pRg st="3" end="3"/>
+                                            </p:txEl>
+                                          </p:spTgt>
+                                        </p:tgtEl>
+                                        <p:attrNameLst>
+                                          <p:attrName>ppt_y</p:attrName>
+                                        </p:attrNameLst>
+                                      </p:cBhvr>
+                                      <p:tavLst>
+                                        <p:tav tm="0">
+                                          <p:val>
+                                            <p:strVal val="1+#ppt_h/2"/>
+                                          </p:val>
+                                        </p:tav>
+                                        <p:tav tm="100000">
+                                          <p:val>
+                                            <p:strVal val="#ppt_y"/>
+                                          </p:val>
+                                        </p:tav>
+                                      </p:tavLst>
+                                    </p:anim>
+                                  </p:childTnLst>
+                                </p:cTn>
+                              </p:par>
+                            </p:childTnLst>
+                          </p:cTn>
+                        </p:par>
+                      </p:childTnLst>
+                    </p:cTn>
+                  </p:par>
+                  <p:par>
+                    <p:cTn id="19" fill="hold">
+                      <p:stCondLst>
+                        <p:cond delay="indefinite"/>
+                      </p:stCondLst>
+                      <p:childTnLst>
+                        <p:par>
+                          <p:cTn id="20" fill="hold">
+                            <p:stCondLst>
+                              <p:cond delay="0"/>
+                            </p:stCondLst>
+                            <p:childTnLst>
+                              <p:par>
+                                <p:cTn id="21" presetID="2" presetClass="entr" presetSubtype="4" fill="hold" nodeType="clickEffect">
+                                  <p:stCondLst>
+                                    <p:cond delay="0"/>
+                                  </p:stCondLst>
+                                  <p:childTnLst>
+                                    <p:set>
+                                      <p:cBhvr>
+                                        <p:cTn id="22" dur="1" fill="hold">
+                                          <p:stCondLst>
+                                            <p:cond delay="0"/>
+                                          </p:stCondLst>
+                                        </p:cTn>
+                                        <p:tgtEl>
+                                          <p:spTgt spid="3">
+                                            <p:txEl>
+                                              <p:pRg st="4" end="4"/>
+                                            </p:txEl>
+                                          </p:spTgt>
+                                        </p:tgtEl>
+                                        <p:attrNameLst>
+                                          <p:attrName>style.visibility</p:attrName>
+                                        </p:attrNameLst>
+                                      </p:cBhvr>
+                                      <p:to>
+                                        <p:strVal val="visible"/>
+                                      </p:to>
+                                    </p:set>
+                                    <p:anim calcmode="lin" valueType="num">
+                                      <p:cBhvr additive="base">
+                                        <p:cTn id="23" dur="500" fill="hold"/>
+                                        <p:tgtEl>
+                                          <p:spTgt spid="3">
+                                            <p:txEl>
+                                              <p:pRg st="4" end="4"/>
+                                            </p:txEl>
+                                          </p:spTgt>
+                                        </p:tgtEl>
+                                        <p:attrNameLst>
+                                          <p:attrName>ppt_x</p:attrName>
+                                        </p:attrNameLst>
+                                      </p:cBhvr>
+                                      <p:tavLst>
+                                        <p:tav tm="0">
+                                          <p:val>
+                                            <p:strVal val="#ppt_x"/>
+                                          </p:val>
+                                        </p:tav>
+                                        <p:tav tm="100000">
+                                          <p:val>
+                                            <p:strVal val="#ppt_x"/>
+                                          </p:val>
+                                        </p:tav>
+                                      </p:tavLst>
+                                    </p:anim>
+                                    <p:anim calcmode="lin" valueType="num">
+                                      <p:cBhvr additive="base">
+                                        <p:cTn id="24" dur="500" fill="hold"/>
+                                        <p:tgtEl>
+                                          <p:spTgt spid="3">
+                                            <p:txEl>
+                                              <p:pRg st="4" end="4"/>
+                                            </p:txEl>
+                                          </p:spTgt>
+                                        </p:tgtEl>
+                                        <p:attrNameLst>
+                                          <p:attrName>ppt_y</p:attrName>
+                                        </p:attrNameLst>
+                                      </p:cBhvr>
+                                      <p:tavLst>
+                                        <p:tav tm="0">
+                                          <p:val>
+                                            <p:strVal val="1+#ppt_h/2"/>
+                                          </p:val>
+                                        </p:tav>
+                                        <p:tav tm="100000">
+                                          <p:val>
+                                            <p:strVal val="#ppt_y"/>
+                                          </p:val>
+                                        </p:tav>
+                                      </p:tavLst>
+                                    </p:anim>
+                                  </p:childTnLst>
+                                </p:cTn>
+                              </p:par>
+                            </p:childTnLst>
+                          </p:cTn>
+                        </p:par>
+                      </p:childTnLst>
+                    </p:cTn>
+                  </p:par>
+                </p:childTnLst>
+              </p:cTn>
+              <p:prevCondLst>
+                <p:cond evt="onPrev" delay="0">
+                  <p:tgtEl>
+                    <p:sldTgt/>
+                  </p:tgtEl>
+                </p:cond>
+              </p:prevCondLst>
+              <p:nextCondLst>
+                <p:cond evt="onNext" delay="0">
+                  <p:tgtEl>
+                    <p:sldTgt/>
+                  </p:tgtEl>
+                </p:cond>
+              </p:nextCondLst>
+            </p:seq>
+          </p:childTnLst>
+        </p:cTn>
+      </p:par>
+    </p:tnLst>
+  </p:timing>
 </p:sld>
 </file>
 
@@ -5460,6 +5962,16 @@
   <p:clrMapOvr>
     <a:masterClrMapping/>
   </p:clrMapOvr>
+  <p:transition spd="slow">
+    <p:push dir="u"/>
+  </p:transition>
+  <p:timing>
+    <p:tnLst>
+      <p:par>
+        <p:cTn id="1" dur="indefinite" restart="never" nodeType="tmRoot"/>
+      </p:par>
+    </p:tnLst>
+  </p:timing>
 </p:sld>
 </file>
 
@@ -5570,10 +6082,309 @@
   <p:clrMapOvr>
     <a:masterClrMapping/>
   </p:clrMapOvr>
+  <p:transition spd="slow">
+    <p:push dir="u"/>
+  </p:transition>
   <p:timing>
     <p:tnLst>
       <p:par>
-        <p:cTn id="1" dur="indefinite" restart="never" nodeType="tmRoot"/>
+        <p:cTn id="1" dur="indefinite" restart="never" nodeType="tmRoot">
+          <p:childTnLst>
+            <p:seq concurrent="1" nextAc="seek">
+              <p:cTn id="2" dur="indefinite" nodeType="mainSeq">
+                <p:childTnLst>
+                  <p:par>
+                    <p:cTn id="3" fill="hold">
+                      <p:stCondLst>
+                        <p:cond delay="indefinite"/>
+                      </p:stCondLst>
+                      <p:childTnLst>
+                        <p:par>
+                          <p:cTn id="4" fill="hold">
+                            <p:stCondLst>
+                              <p:cond delay="0"/>
+                            </p:stCondLst>
+                            <p:childTnLst>
+                              <p:par>
+                                <p:cTn id="5" presetID="2" presetClass="entr" presetSubtype="4" fill="hold" nodeType="clickEffect">
+                                  <p:stCondLst>
+                                    <p:cond delay="0"/>
+                                  </p:stCondLst>
+                                  <p:childTnLst>
+                                    <p:set>
+                                      <p:cBhvr>
+                                        <p:cTn id="6" dur="1" fill="hold">
+                                          <p:stCondLst>
+                                            <p:cond delay="0"/>
+                                          </p:stCondLst>
+                                        </p:cTn>
+                                        <p:tgtEl>
+                                          <p:spTgt spid="3">
+                                            <p:txEl>
+                                              <p:pRg st="1" end="1"/>
+                                            </p:txEl>
+                                          </p:spTgt>
+                                        </p:tgtEl>
+                                        <p:attrNameLst>
+                                          <p:attrName>style.visibility</p:attrName>
+                                        </p:attrNameLst>
+                                      </p:cBhvr>
+                                      <p:to>
+                                        <p:strVal val="visible"/>
+                                      </p:to>
+                                    </p:set>
+                                    <p:anim calcmode="lin" valueType="num">
+                                      <p:cBhvr additive="base">
+                                        <p:cTn id="7" dur="500" fill="hold"/>
+                                        <p:tgtEl>
+                                          <p:spTgt spid="3">
+                                            <p:txEl>
+                                              <p:pRg st="1" end="1"/>
+                                            </p:txEl>
+                                          </p:spTgt>
+                                        </p:tgtEl>
+                                        <p:attrNameLst>
+                                          <p:attrName>ppt_x</p:attrName>
+                                        </p:attrNameLst>
+                                      </p:cBhvr>
+                                      <p:tavLst>
+                                        <p:tav tm="0">
+                                          <p:val>
+                                            <p:strVal val="#ppt_x"/>
+                                          </p:val>
+                                        </p:tav>
+                                        <p:tav tm="100000">
+                                          <p:val>
+                                            <p:strVal val="#ppt_x"/>
+                                          </p:val>
+                                        </p:tav>
+                                      </p:tavLst>
+                                    </p:anim>
+                                    <p:anim calcmode="lin" valueType="num">
+                                      <p:cBhvr additive="base">
+                                        <p:cTn id="8" dur="500" fill="hold"/>
+                                        <p:tgtEl>
+                                          <p:spTgt spid="3">
+                                            <p:txEl>
+                                              <p:pRg st="1" end="1"/>
+                                            </p:txEl>
+                                          </p:spTgt>
+                                        </p:tgtEl>
+                                        <p:attrNameLst>
+                                          <p:attrName>ppt_y</p:attrName>
+                                        </p:attrNameLst>
+                                      </p:cBhvr>
+                                      <p:tavLst>
+                                        <p:tav tm="0">
+                                          <p:val>
+                                            <p:strVal val="1+#ppt_h/2"/>
+                                          </p:val>
+                                        </p:tav>
+                                        <p:tav tm="100000">
+                                          <p:val>
+                                            <p:strVal val="#ppt_y"/>
+                                          </p:val>
+                                        </p:tav>
+                                      </p:tavLst>
+                                    </p:anim>
+                                  </p:childTnLst>
+                                </p:cTn>
+                              </p:par>
+                              <p:par>
+                                <p:cTn id="9" presetID="2" presetClass="entr" presetSubtype="4" fill="hold" nodeType="withEffect">
+                                  <p:stCondLst>
+                                    <p:cond delay="0"/>
+                                  </p:stCondLst>
+                                  <p:childTnLst>
+                                    <p:set>
+                                      <p:cBhvr>
+                                        <p:cTn id="10" dur="1" fill="hold">
+                                          <p:stCondLst>
+                                            <p:cond delay="0"/>
+                                          </p:stCondLst>
+                                        </p:cTn>
+                                        <p:tgtEl>
+                                          <p:spTgt spid="3">
+                                            <p:txEl>
+                                              <p:pRg st="2" end="2"/>
+                                            </p:txEl>
+                                          </p:spTgt>
+                                        </p:tgtEl>
+                                        <p:attrNameLst>
+                                          <p:attrName>style.visibility</p:attrName>
+                                        </p:attrNameLst>
+                                      </p:cBhvr>
+                                      <p:to>
+                                        <p:strVal val="visible"/>
+                                      </p:to>
+                                    </p:set>
+                                    <p:anim calcmode="lin" valueType="num">
+                                      <p:cBhvr additive="base">
+                                        <p:cTn id="11" dur="500" fill="hold"/>
+                                        <p:tgtEl>
+                                          <p:spTgt spid="3">
+                                            <p:txEl>
+                                              <p:pRg st="2" end="2"/>
+                                            </p:txEl>
+                                          </p:spTgt>
+                                        </p:tgtEl>
+                                        <p:attrNameLst>
+                                          <p:attrName>ppt_x</p:attrName>
+                                        </p:attrNameLst>
+                                      </p:cBhvr>
+                                      <p:tavLst>
+                                        <p:tav tm="0">
+                                          <p:val>
+                                            <p:strVal val="#ppt_x"/>
+                                          </p:val>
+                                        </p:tav>
+                                        <p:tav tm="100000">
+                                          <p:val>
+                                            <p:strVal val="#ppt_x"/>
+                                          </p:val>
+                                        </p:tav>
+                                      </p:tavLst>
+                                    </p:anim>
+                                    <p:anim calcmode="lin" valueType="num">
+                                      <p:cBhvr additive="base">
+                                        <p:cTn id="12" dur="500" fill="hold"/>
+                                        <p:tgtEl>
+                                          <p:spTgt spid="3">
+                                            <p:txEl>
+                                              <p:pRg st="2" end="2"/>
+                                            </p:txEl>
+                                          </p:spTgt>
+                                        </p:tgtEl>
+                                        <p:attrNameLst>
+                                          <p:attrName>ppt_y</p:attrName>
+                                        </p:attrNameLst>
+                                      </p:cBhvr>
+                                      <p:tavLst>
+                                        <p:tav tm="0">
+                                          <p:val>
+                                            <p:strVal val="1+#ppt_h/2"/>
+                                          </p:val>
+                                        </p:tav>
+                                        <p:tav tm="100000">
+                                          <p:val>
+                                            <p:strVal val="#ppt_y"/>
+                                          </p:val>
+                                        </p:tav>
+                                      </p:tavLst>
+                                    </p:anim>
+                                  </p:childTnLst>
+                                </p:cTn>
+                              </p:par>
+                              <p:par>
+                                <p:cTn id="13" presetID="2" presetClass="entr" presetSubtype="4" fill="hold" nodeType="withEffect">
+                                  <p:stCondLst>
+                                    <p:cond delay="0"/>
+                                  </p:stCondLst>
+                                  <p:childTnLst>
+                                    <p:set>
+                                      <p:cBhvr>
+                                        <p:cTn id="14" dur="1" fill="hold">
+                                          <p:stCondLst>
+                                            <p:cond delay="0"/>
+                                          </p:stCondLst>
+                                        </p:cTn>
+                                        <p:tgtEl>
+                                          <p:spTgt spid="3">
+                                            <p:txEl>
+                                              <p:pRg st="3" end="3"/>
+                                            </p:txEl>
+                                          </p:spTgt>
+                                        </p:tgtEl>
+                                        <p:attrNameLst>
+                                          <p:attrName>style.visibility</p:attrName>
+                                        </p:attrNameLst>
+                                      </p:cBhvr>
+                                      <p:to>
+                                        <p:strVal val="visible"/>
+                                      </p:to>
+                                    </p:set>
+                                    <p:anim calcmode="lin" valueType="num">
+                                      <p:cBhvr additive="base">
+                                        <p:cTn id="15" dur="500" fill="hold"/>
+                                        <p:tgtEl>
+                                          <p:spTgt spid="3">
+                                            <p:txEl>
+                                              <p:pRg st="3" end="3"/>
+                                            </p:txEl>
+                                          </p:spTgt>
+                                        </p:tgtEl>
+                                        <p:attrNameLst>
+                                          <p:attrName>ppt_x</p:attrName>
+                                        </p:attrNameLst>
+                                      </p:cBhvr>
+                                      <p:tavLst>
+                                        <p:tav tm="0">
+                                          <p:val>
+                                            <p:strVal val="#ppt_x"/>
+                                          </p:val>
+                                        </p:tav>
+                                        <p:tav tm="100000">
+                                          <p:val>
+                                            <p:strVal val="#ppt_x"/>
+                                          </p:val>
+                                        </p:tav>
+                                      </p:tavLst>
+                                    </p:anim>
+                                    <p:anim calcmode="lin" valueType="num">
+                                      <p:cBhvr additive="base">
+                                        <p:cTn id="16" dur="500" fill="hold"/>
+                                        <p:tgtEl>
+                                          <p:spTgt spid="3">
+                                            <p:txEl>
+                                              <p:pRg st="3" end="3"/>
+                                            </p:txEl>
+                                          </p:spTgt>
+                                        </p:tgtEl>
+                                        <p:attrNameLst>
+                                          <p:attrName>ppt_y</p:attrName>
+                                        </p:attrNameLst>
+                                      </p:cBhvr>
+                                      <p:tavLst>
+                                        <p:tav tm="0">
+                                          <p:val>
+                                            <p:strVal val="1+#ppt_h/2"/>
+                                          </p:val>
+                                        </p:tav>
+                                        <p:tav tm="100000">
+                                          <p:val>
+                                            <p:strVal val="#ppt_y"/>
+                                          </p:val>
+                                        </p:tav>
+                                      </p:tavLst>
+                                    </p:anim>
+                                  </p:childTnLst>
+                                </p:cTn>
+                              </p:par>
+                            </p:childTnLst>
+                          </p:cTn>
+                        </p:par>
+                      </p:childTnLst>
+                    </p:cTn>
+                  </p:par>
+                </p:childTnLst>
+              </p:cTn>
+              <p:prevCondLst>
+                <p:cond evt="onPrev" delay="0">
+                  <p:tgtEl>
+                    <p:sldTgt/>
+                  </p:tgtEl>
+                </p:cond>
+              </p:prevCondLst>
+              <p:nextCondLst>
+                <p:cond evt="onNext" delay="0">
+                  <p:tgtEl>
+                    <p:sldTgt/>
+                  </p:tgtEl>
+                </p:cond>
+              </p:nextCondLst>
+            </p:seq>
+          </p:childTnLst>
+        </p:cTn>
       </p:par>
     </p:tnLst>
   </p:timing>
@@ -5661,6 +6472,9 @@
   <p:clrMapOvr>
     <a:masterClrMapping/>
   </p:clrMapOvr>
+  <p:transition spd="slow">
+    <p:push dir="u"/>
+  </p:transition>
   <p:timing>
     <p:tnLst>
       <p:par>
@@ -5768,6 +6582,330 @@
   <p:clrMapOvr>
     <a:masterClrMapping/>
   </p:clrMapOvr>
+  <p:transition spd="slow">
+    <p:push dir="u"/>
+  </p:transition>
+  <p:timing>
+    <p:tnLst>
+      <p:par>
+        <p:cTn id="1" dur="indefinite" restart="never" nodeType="tmRoot">
+          <p:childTnLst>
+            <p:seq concurrent="1" nextAc="seek">
+              <p:cTn id="2" dur="indefinite" nodeType="mainSeq">
+                <p:childTnLst>
+                  <p:par>
+                    <p:cTn id="3" fill="hold">
+                      <p:stCondLst>
+                        <p:cond delay="indefinite"/>
+                      </p:stCondLst>
+                      <p:childTnLst>
+                        <p:par>
+                          <p:cTn id="4" fill="hold">
+                            <p:stCondLst>
+                              <p:cond delay="0"/>
+                            </p:stCondLst>
+                            <p:childTnLst>
+                              <p:par>
+                                <p:cTn id="5" presetID="2" presetClass="entr" presetSubtype="4" fill="hold" nodeType="clickEffect">
+                                  <p:stCondLst>
+                                    <p:cond delay="0"/>
+                                  </p:stCondLst>
+                                  <p:childTnLst>
+                                    <p:set>
+                                      <p:cBhvr>
+                                        <p:cTn id="6" dur="1" fill="hold">
+                                          <p:stCondLst>
+                                            <p:cond delay="0"/>
+                                          </p:stCondLst>
+                                        </p:cTn>
+                                        <p:tgtEl>
+                                          <p:spTgt spid="3">
+                                            <p:txEl>
+                                              <p:pRg st="0" end="0"/>
+                                            </p:txEl>
+                                          </p:spTgt>
+                                        </p:tgtEl>
+                                        <p:attrNameLst>
+                                          <p:attrName>style.visibility</p:attrName>
+                                        </p:attrNameLst>
+                                      </p:cBhvr>
+                                      <p:to>
+                                        <p:strVal val="visible"/>
+                                      </p:to>
+                                    </p:set>
+                                    <p:anim calcmode="lin" valueType="num">
+                                      <p:cBhvr additive="base">
+                                        <p:cTn id="7" dur="500" fill="hold"/>
+                                        <p:tgtEl>
+                                          <p:spTgt spid="3">
+                                            <p:txEl>
+                                              <p:pRg st="0" end="0"/>
+                                            </p:txEl>
+                                          </p:spTgt>
+                                        </p:tgtEl>
+                                        <p:attrNameLst>
+                                          <p:attrName>ppt_x</p:attrName>
+                                        </p:attrNameLst>
+                                      </p:cBhvr>
+                                      <p:tavLst>
+                                        <p:tav tm="0">
+                                          <p:val>
+                                            <p:strVal val="#ppt_x"/>
+                                          </p:val>
+                                        </p:tav>
+                                        <p:tav tm="100000">
+                                          <p:val>
+                                            <p:strVal val="#ppt_x"/>
+                                          </p:val>
+                                        </p:tav>
+                                      </p:tavLst>
+                                    </p:anim>
+                                    <p:anim calcmode="lin" valueType="num">
+                                      <p:cBhvr additive="base">
+                                        <p:cTn id="8" dur="500" fill="hold"/>
+                                        <p:tgtEl>
+                                          <p:spTgt spid="3">
+                                            <p:txEl>
+                                              <p:pRg st="0" end="0"/>
+                                            </p:txEl>
+                                          </p:spTgt>
+                                        </p:tgtEl>
+                                        <p:attrNameLst>
+                                          <p:attrName>ppt_y</p:attrName>
+                                        </p:attrNameLst>
+                                      </p:cBhvr>
+                                      <p:tavLst>
+                                        <p:tav tm="0">
+                                          <p:val>
+                                            <p:strVal val="1+#ppt_h/2"/>
+                                          </p:val>
+                                        </p:tav>
+                                        <p:tav tm="100000">
+                                          <p:val>
+                                            <p:strVal val="#ppt_y"/>
+                                          </p:val>
+                                        </p:tav>
+                                      </p:tavLst>
+                                    </p:anim>
+                                  </p:childTnLst>
+                                </p:cTn>
+                              </p:par>
+                              <p:par>
+                                <p:cTn id="9" presetID="2" presetClass="entr" presetSubtype="4" fill="hold" nodeType="withEffect">
+                                  <p:stCondLst>
+                                    <p:cond delay="0"/>
+                                  </p:stCondLst>
+                                  <p:childTnLst>
+                                    <p:set>
+                                      <p:cBhvr>
+                                        <p:cTn id="10" dur="1" fill="hold">
+                                          <p:stCondLst>
+                                            <p:cond delay="0"/>
+                                          </p:stCondLst>
+                                        </p:cTn>
+                                        <p:tgtEl>
+                                          <p:spTgt spid="3">
+                                            <p:txEl>
+                                              <p:pRg st="1" end="1"/>
+                                            </p:txEl>
+                                          </p:spTgt>
+                                        </p:tgtEl>
+                                        <p:attrNameLst>
+                                          <p:attrName>style.visibility</p:attrName>
+                                        </p:attrNameLst>
+                                      </p:cBhvr>
+                                      <p:to>
+                                        <p:strVal val="visible"/>
+                                      </p:to>
+                                    </p:set>
+                                    <p:anim calcmode="lin" valueType="num">
+                                      <p:cBhvr additive="base">
+                                        <p:cTn id="11" dur="500" fill="hold"/>
+                                        <p:tgtEl>
+                                          <p:spTgt spid="3">
+                                            <p:txEl>
+                                              <p:pRg st="1" end="1"/>
+                                            </p:txEl>
+                                          </p:spTgt>
+                                        </p:tgtEl>
+                                        <p:attrNameLst>
+                                          <p:attrName>ppt_x</p:attrName>
+                                        </p:attrNameLst>
+                                      </p:cBhvr>
+                                      <p:tavLst>
+                                        <p:tav tm="0">
+                                          <p:val>
+                                            <p:strVal val="#ppt_x"/>
+                                          </p:val>
+                                        </p:tav>
+                                        <p:tav tm="100000">
+                                          <p:val>
+                                            <p:strVal val="#ppt_x"/>
+                                          </p:val>
+                                        </p:tav>
+                                      </p:tavLst>
+                                    </p:anim>
+                                    <p:anim calcmode="lin" valueType="num">
+                                      <p:cBhvr additive="base">
+                                        <p:cTn id="12" dur="500" fill="hold"/>
+                                        <p:tgtEl>
+                                          <p:spTgt spid="3">
+                                            <p:txEl>
+                                              <p:pRg st="1" end="1"/>
+                                            </p:txEl>
+                                          </p:spTgt>
+                                        </p:tgtEl>
+                                        <p:attrNameLst>
+                                          <p:attrName>ppt_y</p:attrName>
+                                        </p:attrNameLst>
+                                      </p:cBhvr>
+                                      <p:tavLst>
+                                        <p:tav tm="0">
+                                          <p:val>
+                                            <p:strVal val="1+#ppt_h/2"/>
+                                          </p:val>
+                                        </p:tav>
+                                        <p:tav tm="100000">
+                                          <p:val>
+                                            <p:strVal val="#ppt_y"/>
+                                          </p:val>
+                                        </p:tav>
+                                      </p:tavLst>
+                                    </p:anim>
+                                  </p:childTnLst>
+                                </p:cTn>
+                              </p:par>
+                            </p:childTnLst>
+                          </p:cTn>
+                        </p:par>
+                      </p:childTnLst>
+                    </p:cTn>
+                  </p:par>
+                  <p:par>
+                    <p:cTn id="13" fill="hold">
+                      <p:stCondLst>
+                        <p:cond delay="indefinite"/>
+                      </p:stCondLst>
+                      <p:childTnLst>
+                        <p:par>
+                          <p:cTn id="14" fill="hold">
+                            <p:stCondLst>
+                              <p:cond delay="0"/>
+                            </p:stCondLst>
+                            <p:childTnLst>
+                              <p:par>
+                                <p:cTn id="15" presetID="2" presetClass="entr" presetSubtype="4" fill="hold" nodeType="clickEffect">
+                                  <p:stCondLst>
+                                    <p:cond delay="0"/>
+                                  </p:stCondLst>
+                                  <p:childTnLst>
+                                    <p:set>
+                                      <p:cBhvr>
+                                        <p:cTn id="16" dur="1" fill="hold">
+                                          <p:stCondLst>
+                                            <p:cond delay="0"/>
+                                          </p:stCondLst>
+                                        </p:cTn>
+                                        <p:tgtEl>
+                                          <p:spTgt spid="3">
+                                            <p:txEl>
+                                              <p:pRg st="4" end="4"/>
+                                            </p:txEl>
+                                          </p:spTgt>
+                                        </p:tgtEl>
+                                        <p:attrNameLst>
+                                          <p:attrName>style.visibility</p:attrName>
+                                        </p:attrNameLst>
+                                      </p:cBhvr>
+                                      <p:to>
+                                        <p:strVal val="visible"/>
+                                      </p:to>
+                                    </p:set>
+                                    <p:anim calcmode="lin" valueType="num">
+                                      <p:cBhvr additive="base">
+                                        <p:cTn id="17" dur="500" fill="hold"/>
+                                        <p:tgtEl>
+                                          <p:spTgt spid="3">
+                                            <p:txEl>
+                                              <p:pRg st="4" end="4"/>
+                                            </p:txEl>
+                                          </p:spTgt>
+                                        </p:tgtEl>
+                                        <p:attrNameLst>
+                                          <p:attrName>ppt_x</p:attrName>
+                                        </p:attrNameLst>
+                                      </p:cBhvr>
+                                      <p:tavLst>
+                                        <p:tav tm="0">
+                                          <p:val>
+                                            <p:strVal val="#ppt_x"/>
+                                          </p:val>
+                                        </p:tav>
+                                        <p:tav tm="100000">
+                                          <p:val>
+                                            <p:strVal val="#ppt_x"/>
+                                          </p:val>
+                                        </p:tav>
+                                      </p:tavLst>
+                                    </p:anim>
+                                    <p:anim calcmode="lin" valueType="num">
+                                      <p:cBhvr additive="base">
+                                        <p:cTn id="18" dur="500" fill="hold"/>
+                                        <p:tgtEl>
+                                          <p:spTgt spid="3">
+                                            <p:txEl>
+                                              <p:pRg st="4" end="4"/>
+                                            </p:txEl>
+                                          </p:spTgt>
+                                        </p:tgtEl>
+                                        <p:attrNameLst>
+                                          <p:attrName>ppt_y</p:attrName>
+                                        </p:attrNameLst>
+                                      </p:cBhvr>
+                                      <p:tavLst>
+                                        <p:tav tm="0">
+                                          <p:val>
+                                            <p:strVal val="1+#ppt_h/2"/>
+                                          </p:val>
+                                        </p:tav>
+                                        <p:tav tm="100000">
+                                          <p:val>
+                                            <p:strVal val="#ppt_y"/>
+                                          </p:val>
+                                        </p:tav>
+                                      </p:tavLst>
+                                    </p:anim>
+                                  </p:childTnLst>
+                                </p:cTn>
+                              </p:par>
+                            </p:childTnLst>
+                          </p:cTn>
+                        </p:par>
+                      </p:childTnLst>
+                    </p:cTn>
+                  </p:par>
+                </p:childTnLst>
+              </p:cTn>
+              <p:prevCondLst>
+                <p:cond evt="onPrev" delay="0">
+                  <p:tgtEl>
+                    <p:sldTgt/>
+                  </p:tgtEl>
+                </p:cond>
+              </p:prevCondLst>
+              <p:nextCondLst>
+                <p:cond evt="onNext" delay="0">
+                  <p:tgtEl>
+                    <p:sldTgt/>
+                  </p:tgtEl>
+                </p:cond>
+              </p:nextCondLst>
+            </p:seq>
+          </p:childTnLst>
+        </p:cTn>
+      </p:par>
+    </p:tnLst>
+  </p:timing>
 </p:sld>
 </file>
 
@@ -5798,18 +6936,23 @@
             <p:ph type="ctrTitle"/>
           </p:nvPr>
         </p:nvSpPr>
-        <p:spPr/>
+        <p:spPr>
+          <a:xfrm>
+            <a:off x="685800" y="2130425"/>
+            <a:ext cx="7772400" cy="3432175"/>
+          </a:xfrm>
+        </p:spPr>
         <p:txBody>
           <a:bodyPr>
-            <a:normAutofit fontScale="90000"/>
+            <a:normAutofit/>
           </a:bodyPr>
           <a:lstStyle/>
           <a:p>
             <a:r>
-              <a:rPr lang="en-US" sz="9600" dirty="0" smtClean="0"/>
+              <a:rPr lang="en-US" sz="12000" dirty="0" smtClean="0"/>
               <a:t>?</a:t>
             </a:r>
-            <a:endParaRPr lang="en-US" sz="9600" dirty="0"/>
+            <a:endParaRPr lang="en-US" sz="12000" dirty="0"/>
           </a:p>
         </p:txBody>
       </p:sp>
@@ -5842,6 +6985,16 @@
   <p:clrMapOvr>
     <a:masterClrMapping/>
   </p:clrMapOvr>
+  <p:transition spd="slow">
+    <p:push dir="u"/>
+  </p:transition>
+  <p:timing>
+    <p:tnLst>
+      <p:par>
+        <p:cTn id="1" dur="indefinite" restart="never" nodeType="tmRoot"/>
+      </p:par>
+    </p:tnLst>
+  </p:timing>
 </p:sld>
 </file>
 
@@ -5898,7 +7051,7 @@
           </p:nvPr>
         </p:nvPicPr>
         <p:blipFill>
-          <a:blip r:embed="rId2">
+          <a:blip r:embed="rId3">
             <a:extLst>
               <a:ext uri="{28A0092B-C50C-407E-A947-70E740481C1C}">
                 <a14:useLocalDpi xmlns:a14="http://schemas.microsoft.com/office/drawing/2010/main" val="0"/>
@@ -5917,6 +7070,32 @@
           </a:xfrm>
         </p:spPr>
       </p:pic>
+      <p:sp>
+        <p:nvSpPr>
+          <p:cNvPr id="3" name="Footer Placeholder 2"/>
+          <p:cNvSpPr>
+            <a:spLocks noGrp="1"/>
+          </p:cNvSpPr>
+          <p:nvPr>
+            <p:ph type="ftr" sz="quarter" idx="11"/>
+          </p:nvPr>
+        </p:nvSpPr>
+        <p:spPr/>
+        <p:txBody>
+          <a:bodyPr/>
+          <a:lstStyle/>
+          <a:p>
+            <a:r>
+              <a:rPr lang="en-US" sz="2000" dirty="0">
+                <a:solidFill>
+                  <a:srgbClr val="0070C0"/>
+                </a:solidFill>
+              </a:rPr>
+              <a:t>http://amzn.to/1aMYF24</a:t>
+            </a:r>
+          </a:p>
+        </p:txBody>
+      </p:sp>
     </p:spTree>
     <p:extLst>
       <p:ext uri="{BB962C8B-B14F-4D97-AF65-F5344CB8AC3E}">
@@ -5927,6 +7106,9 @@
   <p:clrMapOvr>
     <a:masterClrMapping/>
   </p:clrMapOvr>
+  <p:transition spd="slow">
+    <p:push dir="u"/>
+  </p:transition>
   <p:timing>
     <p:tnLst>
       <p:par>

--- a/HavingYourCoffee/Having_Your_Coffee.pptx
+++ b/HavingYourCoffee/Having_Your_Coffee.pptx
@@ -4102,6 +4102,22 @@
             <a:r>
               <a:rPr lang="en-US" sz="2400" dirty="0" smtClean="0"/>
               <a:t> </a:t>
+            </a:r>
+            <a:endParaRPr lang="en-US" sz="2400" dirty="0" smtClean="0"/>
+          </a:p>
+          <a:p>
+            <a:pPr marL="0" indent="0" algn="ctr">
+              <a:buNone/>
+            </a:pPr>
+            <a:r>
+              <a:rPr lang="en-US" sz="2400" smtClean="0"/>
+              <a:t>Slides &amp; Code: </a:t>
+            </a:r>
+            <a:r>
+              <a:rPr lang="en-US" sz="2400" smtClean="0">
+                <a:hlinkClick r:id="rId6"/>
+              </a:rPr>
+              <a:t>https://github.com/jerrelblankenship/Presentations/</a:t>
             </a:r>
             <a:endParaRPr lang="en-US" sz="2400" dirty="0"/>
           </a:p>
